--- a/Developer/ATS NEWS.pptx
+++ b/Developer/ATS NEWS.pptx
@@ -5,17 +5,16 @@
     <p:sldMasterId id="2147483648" r:id="rId1"/>
   </p:sldMasterIdLst>
   <p:notesMasterIdLst>
-    <p:notesMasterId r:id="rId7"/>
+    <p:notesMasterId r:id="rId6"/>
   </p:notesMasterIdLst>
   <p:handoutMasterIdLst>
-    <p:handoutMasterId r:id="rId8"/>
+    <p:handoutMasterId r:id="rId7"/>
   </p:handoutMasterIdLst>
   <p:sldIdLst>
     <p:sldId id="259" r:id="rId2"/>
     <p:sldId id="261" r:id="rId3"/>
     <p:sldId id="264" r:id="rId4"/>
     <p:sldId id="263" r:id="rId5"/>
-    <p:sldId id="262" r:id="rId6"/>
   </p:sldIdLst>
   <p:sldSz cx="9144000" cy="6858000" type="screen4x3"/>
   <p:notesSz cx="6858000" cy="9144000"/>
@@ -127,7 +126,6 @@
             <p14:sldId id="261"/>
             <p14:sldId id="264"/>
             <p14:sldId id="263"/>
-            <p14:sldId id="262"/>
           </p14:sldIdLst>
         </p14:section>
         <p14:section name="Topic 1" id="{6D9936A3-3945-4757-BC8B-B5C252D8E036}">
@@ -149,3223 +147,6 @@
     </p:ext>
   </p:extLst>
 </p:presentation>
-</file>
-
-<file path=ppt/diagrams/colors1.xml><?xml version="1.0" encoding="utf-8"?>
-<dgm:colorsDef xmlns:dgm="http://schemas.openxmlformats.org/drawingml/2006/diagram" xmlns:a="http://schemas.openxmlformats.org/drawingml/2006/main" uniqueId="urn:microsoft.com/office/officeart/2005/8/colors/colorful3">
-  <dgm:title val=""/>
-  <dgm:desc val=""/>
-  <dgm:catLst>
-    <dgm:cat type="colorful" pri="10300"/>
-  </dgm:catLst>
-  <dgm:styleLbl name="node0">
-    <dgm:fillClrLst meth="repeat">
-      <a:schemeClr val="accent2"/>
-    </dgm:fillClrLst>
-    <dgm:linClrLst meth="repeat">
-      <a:schemeClr val="lt1"/>
-    </dgm:linClrLst>
-    <dgm:effectClrLst/>
-    <dgm:txLinClrLst/>
-    <dgm:txFillClrLst/>
-    <dgm:txEffectClrLst/>
-  </dgm:styleLbl>
-  <dgm:styleLbl name="node1">
-    <dgm:fillClrLst>
-      <a:schemeClr val="accent3"/>
-      <a:schemeClr val="accent4"/>
-    </dgm:fillClrLst>
-    <dgm:linClrLst meth="repeat">
-      <a:schemeClr val="lt1"/>
-    </dgm:linClrLst>
-    <dgm:effectClrLst/>
-    <dgm:txLinClrLst/>
-    <dgm:txFillClrLst/>
-    <dgm:txEffectClrLst/>
-  </dgm:styleLbl>
-  <dgm:styleLbl name="alignNode1">
-    <dgm:fillClrLst>
-      <a:schemeClr val="accent3"/>
-      <a:schemeClr val="accent4"/>
-    </dgm:fillClrLst>
-    <dgm:linClrLst>
-      <a:schemeClr val="accent3"/>
-      <a:schemeClr val="accent4"/>
-    </dgm:linClrLst>
-    <dgm:effectClrLst/>
-    <dgm:txLinClrLst/>
-    <dgm:txFillClrLst/>
-    <dgm:txEffectClrLst/>
-  </dgm:styleLbl>
-  <dgm:styleLbl name="lnNode1">
-    <dgm:fillClrLst>
-      <a:schemeClr val="accent3"/>
-      <a:schemeClr val="accent4"/>
-    </dgm:fillClrLst>
-    <dgm:linClrLst meth="repeat">
-      <a:schemeClr val="lt1"/>
-    </dgm:linClrLst>
-    <dgm:effectClrLst/>
-    <dgm:txLinClrLst/>
-    <dgm:txFillClrLst/>
-    <dgm:txEffectClrLst/>
-  </dgm:styleLbl>
-  <dgm:styleLbl name="vennNode1">
-    <dgm:fillClrLst>
-      <a:schemeClr val="accent3">
-        <a:alpha val="50000"/>
-      </a:schemeClr>
-      <a:schemeClr val="accent4">
-        <a:alpha val="50000"/>
-      </a:schemeClr>
-    </dgm:fillClrLst>
-    <dgm:linClrLst meth="repeat">
-      <a:schemeClr val="lt1"/>
-    </dgm:linClrLst>
-    <dgm:effectClrLst/>
-    <dgm:txLinClrLst/>
-    <dgm:txFillClrLst/>
-    <dgm:txEffectClrLst/>
-  </dgm:styleLbl>
-  <dgm:styleLbl name="node2">
-    <dgm:fillClrLst>
-      <a:schemeClr val="accent4"/>
-    </dgm:fillClrLst>
-    <dgm:linClrLst meth="repeat">
-      <a:schemeClr val="lt1"/>
-    </dgm:linClrLst>
-    <dgm:effectClrLst/>
-    <dgm:txLinClrLst/>
-    <dgm:txFillClrLst/>
-    <dgm:txEffectClrLst/>
-  </dgm:styleLbl>
-  <dgm:styleLbl name="node3">
-    <dgm:fillClrLst>
-      <a:schemeClr val="accent5"/>
-    </dgm:fillClrLst>
-    <dgm:linClrLst meth="repeat">
-      <a:schemeClr val="lt1"/>
-    </dgm:linClrLst>
-    <dgm:effectClrLst/>
-    <dgm:txLinClrLst/>
-    <dgm:txFillClrLst/>
-    <dgm:txEffectClrLst/>
-  </dgm:styleLbl>
-  <dgm:styleLbl name="node4">
-    <dgm:fillClrLst>
-      <a:schemeClr val="accent6"/>
-    </dgm:fillClrLst>
-    <dgm:linClrLst meth="repeat">
-      <a:schemeClr val="lt1"/>
-    </dgm:linClrLst>
-    <dgm:effectClrLst/>
-    <dgm:txLinClrLst/>
-    <dgm:txFillClrLst/>
-    <dgm:txEffectClrLst/>
-  </dgm:styleLbl>
-  <dgm:styleLbl name="fgImgPlace1">
-    <dgm:fillClrLst>
-      <a:schemeClr val="accent3">
-        <a:tint val="50000"/>
-      </a:schemeClr>
-      <a:schemeClr val="accent4">
-        <a:tint val="50000"/>
-      </a:schemeClr>
-    </dgm:fillClrLst>
-    <dgm:linClrLst meth="repeat">
-      <a:schemeClr val="lt1"/>
-    </dgm:linClrLst>
-    <dgm:effectClrLst/>
-    <dgm:txLinClrLst/>
-    <dgm:txFillClrLst meth="repeat">
-      <a:schemeClr val="lt1"/>
-    </dgm:txFillClrLst>
-    <dgm:txEffectClrLst/>
-  </dgm:styleLbl>
-  <dgm:styleLbl name="alignImgPlace1">
-    <dgm:fillClrLst>
-      <a:schemeClr val="accent3">
-        <a:tint val="50000"/>
-      </a:schemeClr>
-      <a:schemeClr val="accent4">
-        <a:tint val="20000"/>
-      </a:schemeClr>
-    </dgm:fillClrLst>
-    <dgm:linClrLst meth="repeat">
-      <a:schemeClr val="lt1"/>
-    </dgm:linClrLst>
-    <dgm:effectClrLst/>
-    <dgm:txLinClrLst/>
-    <dgm:txFillClrLst meth="repeat">
-      <a:schemeClr val="lt1"/>
-    </dgm:txFillClrLst>
-    <dgm:txEffectClrLst/>
-  </dgm:styleLbl>
-  <dgm:styleLbl name="bgImgPlace1">
-    <dgm:fillClrLst>
-      <a:schemeClr val="accent3">
-        <a:tint val="50000"/>
-      </a:schemeClr>
-      <a:schemeClr val="accent4">
-        <a:tint val="20000"/>
-      </a:schemeClr>
-    </dgm:fillClrLst>
-    <dgm:linClrLst meth="repeat">
-      <a:schemeClr val="lt1"/>
-    </dgm:linClrLst>
-    <dgm:effectClrLst/>
-    <dgm:txLinClrLst/>
-    <dgm:txFillClrLst meth="repeat">
-      <a:schemeClr val="lt1"/>
-    </dgm:txFillClrLst>
-    <dgm:txEffectClrLst/>
-  </dgm:styleLbl>
-  <dgm:styleLbl name="sibTrans2D1">
-    <dgm:fillClrLst>
-      <a:schemeClr val="accent3"/>
-      <a:schemeClr val="accent4"/>
-    </dgm:fillClrLst>
-    <dgm:linClrLst meth="repeat">
-      <a:schemeClr val="lt1"/>
-    </dgm:linClrLst>
-    <dgm:effectClrLst/>
-    <dgm:txLinClrLst/>
-    <dgm:txFillClrLst/>
-    <dgm:txEffectClrLst/>
-  </dgm:styleLbl>
-  <dgm:styleLbl name="fgSibTrans2D1">
-    <dgm:fillClrLst>
-      <a:schemeClr val="accent3"/>
-      <a:schemeClr val="accent4"/>
-    </dgm:fillClrLst>
-    <dgm:linClrLst meth="repeat">
-      <a:schemeClr val="lt1"/>
-    </dgm:linClrLst>
-    <dgm:effectClrLst/>
-    <dgm:txLinClrLst/>
-    <dgm:txFillClrLst meth="repeat">
-      <a:schemeClr val="lt1"/>
-    </dgm:txFillClrLst>
-    <dgm:txEffectClrLst/>
-  </dgm:styleLbl>
-  <dgm:styleLbl name="bgSibTrans2D1">
-    <dgm:fillClrLst>
-      <a:schemeClr val="accent3"/>
-      <a:schemeClr val="accent4"/>
-    </dgm:fillClrLst>
-    <dgm:linClrLst meth="repeat">
-      <a:schemeClr val="lt1"/>
-    </dgm:linClrLst>
-    <dgm:effectClrLst/>
-    <dgm:txLinClrLst/>
-    <dgm:txFillClrLst meth="repeat">
-      <a:schemeClr val="lt1"/>
-    </dgm:txFillClrLst>
-    <dgm:txEffectClrLst/>
-  </dgm:styleLbl>
-  <dgm:styleLbl name="sibTrans1D1">
-    <dgm:fillClrLst/>
-    <dgm:linClrLst>
-      <a:schemeClr val="accent3"/>
-      <a:schemeClr val="accent4"/>
-    </dgm:linClrLst>
-    <dgm:effectClrLst/>
-    <dgm:txLinClrLst/>
-    <dgm:txFillClrLst meth="repeat">
-      <a:schemeClr val="tx1"/>
-    </dgm:txFillClrLst>
-    <dgm:txEffectClrLst/>
-  </dgm:styleLbl>
-  <dgm:styleLbl name="callout">
-    <dgm:fillClrLst meth="repeat">
-      <a:schemeClr val="accent3"/>
-    </dgm:fillClrLst>
-    <dgm:linClrLst meth="repeat">
-      <a:schemeClr val="accent3">
-        <a:tint val="50000"/>
-      </a:schemeClr>
-    </dgm:linClrLst>
-    <dgm:effectClrLst/>
-    <dgm:txLinClrLst/>
-    <dgm:txFillClrLst meth="repeat">
-      <a:schemeClr val="tx1"/>
-    </dgm:txFillClrLst>
-    <dgm:txEffectClrLst/>
-  </dgm:styleLbl>
-  <dgm:styleLbl name="asst0">
-    <dgm:fillClrLst meth="repeat">
-      <a:schemeClr val="accent3"/>
-    </dgm:fillClrLst>
-    <dgm:linClrLst meth="repeat">
-      <a:schemeClr val="lt1">
-        <a:shade val="80000"/>
-      </a:schemeClr>
-    </dgm:linClrLst>
-    <dgm:effectClrLst/>
-    <dgm:txLinClrLst/>
-    <dgm:txFillClrLst/>
-    <dgm:txEffectClrLst/>
-  </dgm:styleLbl>
-  <dgm:styleLbl name="asst1">
-    <dgm:fillClrLst meth="repeat">
-      <a:schemeClr val="accent4"/>
-    </dgm:fillClrLst>
-    <dgm:linClrLst meth="repeat">
-      <a:schemeClr val="lt1">
-        <a:shade val="80000"/>
-      </a:schemeClr>
-    </dgm:linClrLst>
-    <dgm:effectClrLst/>
-    <dgm:txLinClrLst/>
-    <dgm:txFillClrLst/>
-    <dgm:txEffectClrLst/>
-  </dgm:styleLbl>
-  <dgm:styleLbl name="asst2">
-    <dgm:fillClrLst>
-      <a:schemeClr val="accent5"/>
-    </dgm:fillClrLst>
-    <dgm:linClrLst meth="repeat">
-      <a:schemeClr val="lt1"/>
-    </dgm:linClrLst>
-    <dgm:effectClrLst/>
-    <dgm:txLinClrLst/>
-    <dgm:txFillClrLst/>
-    <dgm:txEffectClrLst/>
-  </dgm:styleLbl>
-  <dgm:styleLbl name="asst3">
-    <dgm:fillClrLst>
-      <a:schemeClr val="accent6"/>
-    </dgm:fillClrLst>
-    <dgm:linClrLst meth="repeat">
-      <a:schemeClr val="lt1"/>
-    </dgm:linClrLst>
-    <dgm:effectClrLst/>
-    <dgm:txLinClrLst/>
-    <dgm:txFillClrLst/>
-    <dgm:txEffectClrLst/>
-  </dgm:styleLbl>
-  <dgm:styleLbl name="asst4">
-    <dgm:fillClrLst>
-      <a:schemeClr val="accent1"/>
-    </dgm:fillClrLst>
-    <dgm:linClrLst meth="repeat">
-      <a:schemeClr val="lt1"/>
-    </dgm:linClrLst>
-    <dgm:effectClrLst/>
-    <dgm:txLinClrLst/>
-    <dgm:txFillClrLst/>
-    <dgm:txEffectClrLst/>
-  </dgm:styleLbl>
-  <dgm:styleLbl name="parChTrans2D1">
-    <dgm:fillClrLst meth="repeat">
-      <a:schemeClr val="accent2"/>
-    </dgm:fillClrLst>
-    <dgm:linClrLst meth="repeat">
-      <a:schemeClr val="lt1"/>
-    </dgm:linClrLst>
-    <dgm:effectClrLst/>
-    <dgm:txLinClrLst/>
-    <dgm:txFillClrLst meth="repeat">
-      <a:schemeClr val="lt1"/>
-    </dgm:txFillClrLst>
-    <dgm:txEffectClrLst/>
-  </dgm:styleLbl>
-  <dgm:styleLbl name="parChTrans2D2">
-    <dgm:fillClrLst meth="repeat">
-      <a:schemeClr val="accent3"/>
-    </dgm:fillClrLst>
-    <dgm:linClrLst meth="repeat">
-      <a:schemeClr val="lt1"/>
-    </dgm:linClrLst>
-    <dgm:effectClrLst/>
-    <dgm:txLinClrLst/>
-    <dgm:txFillClrLst/>
-    <dgm:txEffectClrLst/>
-  </dgm:styleLbl>
-  <dgm:styleLbl name="parChTrans2D3">
-    <dgm:fillClrLst meth="repeat">
-      <a:schemeClr val="accent4"/>
-    </dgm:fillClrLst>
-    <dgm:linClrLst meth="repeat">
-      <a:schemeClr val="lt1"/>
-    </dgm:linClrLst>
-    <dgm:effectClrLst/>
-    <dgm:txLinClrLst/>
-    <dgm:txFillClrLst/>
-    <dgm:txEffectClrLst/>
-  </dgm:styleLbl>
-  <dgm:styleLbl name="parChTrans2D4">
-    <dgm:fillClrLst meth="repeat">
-      <a:schemeClr val="accent5"/>
-    </dgm:fillClrLst>
-    <dgm:linClrLst meth="repeat">
-      <a:schemeClr val="lt1"/>
-    </dgm:linClrLst>
-    <dgm:effectClrLst/>
-    <dgm:txLinClrLst/>
-    <dgm:txFillClrLst meth="repeat">
-      <a:schemeClr val="lt1"/>
-    </dgm:txFillClrLst>
-    <dgm:txEffectClrLst/>
-  </dgm:styleLbl>
-  <dgm:styleLbl name="parChTrans1D1">
-    <dgm:fillClrLst meth="repeat">
-      <a:schemeClr val="accent3"/>
-    </dgm:fillClrLst>
-    <dgm:linClrLst meth="repeat">
-      <a:schemeClr val="accent3"/>
-    </dgm:linClrLst>
-    <dgm:effectClrLst/>
-    <dgm:txLinClrLst/>
-    <dgm:txFillClrLst meth="repeat">
-      <a:schemeClr val="tx1"/>
-    </dgm:txFillClrLst>
-    <dgm:txEffectClrLst/>
-  </dgm:styleLbl>
-  <dgm:styleLbl name="parChTrans1D2">
-    <dgm:fillClrLst meth="repeat">
-      <a:schemeClr val="accent2">
-        <a:tint val="90000"/>
-      </a:schemeClr>
-    </dgm:fillClrLst>
-    <dgm:linClrLst meth="repeat">
-      <a:schemeClr val="accent4"/>
-    </dgm:linClrLst>
-    <dgm:effectClrLst/>
-    <dgm:txLinClrLst/>
-    <dgm:txFillClrLst meth="repeat">
-      <a:schemeClr val="tx1"/>
-    </dgm:txFillClrLst>
-    <dgm:txEffectClrLst/>
-  </dgm:styleLbl>
-  <dgm:styleLbl name="parChTrans1D3">
-    <dgm:fillClrLst meth="repeat">
-      <a:schemeClr val="accent2">
-        <a:tint val="70000"/>
-      </a:schemeClr>
-    </dgm:fillClrLst>
-    <dgm:linClrLst meth="repeat">
-      <a:schemeClr val="accent5"/>
-    </dgm:linClrLst>
-    <dgm:effectClrLst/>
-    <dgm:txLinClrLst/>
-    <dgm:txFillClrLst meth="repeat">
-      <a:schemeClr val="tx1"/>
-    </dgm:txFillClrLst>
-    <dgm:txEffectClrLst/>
-  </dgm:styleLbl>
-  <dgm:styleLbl name="parChTrans1D4">
-    <dgm:fillClrLst meth="repeat">
-      <a:schemeClr val="accent6">
-        <a:tint val="50000"/>
-      </a:schemeClr>
-    </dgm:fillClrLst>
-    <dgm:linClrLst meth="repeat">
-      <a:schemeClr val="accent6"/>
-    </dgm:linClrLst>
-    <dgm:effectClrLst/>
-    <dgm:txLinClrLst/>
-    <dgm:txFillClrLst meth="repeat">
-      <a:schemeClr val="tx1"/>
-    </dgm:txFillClrLst>
-    <dgm:txEffectClrLst/>
-  </dgm:styleLbl>
-  <dgm:styleLbl name="fgAcc1">
-    <dgm:fillClrLst meth="repeat">
-      <a:schemeClr val="lt1">
-        <a:alpha val="90000"/>
-      </a:schemeClr>
-    </dgm:fillClrLst>
-    <dgm:linClrLst>
-      <a:schemeClr val="accent3"/>
-      <a:schemeClr val="accent4"/>
-    </dgm:linClrLst>
-    <dgm:effectClrLst/>
-    <dgm:txLinClrLst/>
-    <dgm:txFillClrLst meth="repeat">
-      <a:schemeClr val="dk1"/>
-    </dgm:txFillClrLst>
-    <dgm:txEffectClrLst/>
-  </dgm:styleLbl>
-  <dgm:styleLbl name="conFgAcc1">
-    <dgm:fillClrLst meth="repeat">
-      <a:schemeClr val="lt1">
-        <a:alpha val="90000"/>
-      </a:schemeClr>
-    </dgm:fillClrLst>
-    <dgm:linClrLst>
-      <a:schemeClr val="accent3"/>
-      <a:schemeClr val="accent4"/>
-    </dgm:linClrLst>
-    <dgm:effectClrLst/>
-    <dgm:txLinClrLst/>
-    <dgm:txFillClrLst meth="repeat">
-      <a:schemeClr val="dk1"/>
-    </dgm:txFillClrLst>
-    <dgm:txEffectClrLst/>
-  </dgm:styleLbl>
-  <dgm:styleLbl name="alignAcc1">
-    <dgm:fillClrLst meth="repeat">
-      <a:schemeClr val="lt1">
-        <a:alpha val="90000"/>
-      </a:schemeClr>
-    </dgm:fillClrLst>
-    <dgm:linClrLst>
-      <a:schemeClr val="accent3"/>
-      <a:schemeClr val="accent4"/>
-    </dgm:linClrLst>
-    <dgm:effectClrLst/>
-    <dgm:txLinClrLst/>
-    <dgm:txFillClrLst meth="repeat">
-      <a:schemeClr val="dk1"/>
-    </dgm:txFillClrLst>
-    <dgm:txEffectClrLst/>
-  </dgm:styleLbl>
-  <dgm:styleLbl name="trAlignAcc1">
-    <dgm:fillClrLst meth="repeat">
-      <a:schemeClr val="lt1">
-        <a:alpha val="40000"/>
-      </a:schemeClr>
-    </dgm:fillClrLst>
-    <dgm:linClrLst meth="repeat">
-      <a:schemeClr val="accent2"/>
-    </dgm:linClrLst>
-    <dgm:effectClrLst/>
-    <dgm:txLinClrLst/>
-    <dgm:txFillClrLst meth="repeat">
-      <a:schemeClr val="dk1"/>
-    </dgm:txFillClrLst>
-    <dgm:txEffectClrLst/>
-  </dgm:styleLbl>
-  <dgm:styleLbl name="bgAcc1">
-    <dgm:fillClrLst meth="repeat">
-      <a:schemeClr val="lt1">
-        <a:alpha val="90000"/>
-      </a:schemeClr>
-    </dgm:fillClrLst>
-    <dgm:linClrLst>
-      <a:schemeClr val="accent3"/>
-      <a:schemeClr val="accent4"/>
-    </dgm:linClrLst>
-    <dgm:effectClrLst/>
-    <dgm:txLinClrLst/>
-    <dgm:txFillClrLst meth="repeat">
-      <a:schemeClr val="dk1"/>
-    </dgm:txFillClrLst>
-    <dgm:txEffectClrLst/>
-  </dgm:styleLbl>
-  <dgm:styleLbl name="solidFgAcc1">
-    <dgm:fillClrLst meth="repeat">
-      <a:schemeClr val="lt1"/>
-    </dgm:fillClrLst>
-    <dgm:linClrLst>
-      <a:schemeClr val="accent3"/>
-      <a:schemeClr val="accent4"/>
-    </dgm:linClrLst>
-    <dgm:effectClrLst/>
-    <dgm:txLinClrLst/>
-    <dgm:txFillClrLst meth="repeat">
-      <a:schemeClr val="dk1"/>
-    </dgm:txFillClrLst>
-    <dgm:txEffectClrLst/>
-  </dgm:styleLbl>
-  <dgm:styleLbl name="solidAlignAcc1">
-    <dgm:fillClrLst meth="repeat">
-      <a:schemeClr val="lt1"/>
-    </dgm:fillClrLst>
-    <dgm:linClrLst>
-      <a:schemeClr val="accent3"/>
-      <a:schemeClr val="accent4"/>
-    </dgm:linClrLst>
-    <dgm:effectClrLst/>
-    <dgm:txLinClrLst/>
-    <dgm:txFillClrLst meth="repeat">
-      <a:schemeClr val="dk1"/>
-    </dgm:txFillClrLst>
-    <dgm:txEffectClrLst/>
-  </dgm:styleLbl>
-  <dgm:styleLbl name="solidBgAcc1">
-    <dgm:fillClrLst meth="repeat">
-      <a:schemeClr val="lt1"/>
-    </dgm:fillClrLst>
-    <dgm:linClrLst>
-      <a:schemeClr val="accent3"/>
-      <a:schemeClr val="accent4"/>
-    </dgm:linClrLst>
-    <dgm:effectClrLst/>
-    <dgm:txLinClrLst/>
-    <dgm:txFillClrLst meth="repeat">
-      <a:schemeClr val="dk1"/>
-    </dgm:txFillClrLst>
-    <dgm:txEffectClrLst/>
-  </dgm:styleLbl>
-  <dgm:styleLbl name="fgAccFollowNode1">
-    <dgm:fillClrLst>
-      <a:schemeClr val="accent3">
-        <a:tint val="40000"/>
-        <a:alpha val="90000"/>
-      </a:schemeClr>
-      <a:schemeClr val="accent4">
-        <a:tint val="40000"/>
-        <a:alpha val="90000"/>
-      </a:schemeClr>
-    </dgm:fillClrLst>
-    <dgm:linClrLst>
-      <a:schemeClr val="accent3">
-        <a:tint val="40000"/>
-        <a:alpha val="90000"/>
-      </a:schemeClr>
-      <a:schemeClr val="accent4">
-        <a:tint val="40000"/>
-        <a:alpha val="90000"/>
-      </a:schemeClr>
-    </dgm:linClrLst>
-    <dgm:effectClrLst/>
-    <dgm:txLinClrLst/>
-    <dgm:txFillClrLst meth="repeat">
-      <a:schemeClr val="dk1"/>
-    </dgm:txFillClrLst>
-    <dgm:txEffectClrLst/>
-  </dgm:styleLbl>
-  <dgm:styleLbl name="alignAccFollowNode1">
-    <dgm:fillClrLst>
-      <a:schemeClr val="accent3">
-        <a:tint val="40000"/>
-        <a:alpha val="90000"/>
-      </a:schemeClr>
-      <a:schemeClr val="accent4">
-        <a:tint val="40000"/>
-        <a:alpha val="90000"/>
-      </a:schemeClr>
-    </dgm:fillClrLst>
-    <dgm:linClrLst>
-      <a:schemeClr val="accent3">
-        <a:tint val="40000"/>
-        <a:alpha val="90000"/>
-      </a:schemeClr>
-      <a:schemeClr val="accent4">
-        <a:tint val="40000"/>
-        <a:alpha val="90000"/>
-      </a:schemeClr>
-    </dgm:linClrLst>
-    <dgm:effectClrLst/>
-    <dgm:txLinClrLst/>
-    <dgm:txFillClrLst meth="repeat">
-      <a:schemeClr val="dk1"/>
-    </dgm:txFillClrLst>
-    <dgm:txEffectClrLst/>
-  </dgm:styleLbl>
-  <dgm:styleLbl name="bgAccFollowNode1">
-    <dgm:fillClrLst>
-      <a:schemeClr val="accent3">
-        <a:tint val="40000"/>
-        <a:alpha val="90000"/>
-      </a:schemeClr>
-      <a:schemeClr val="accent4">
-        <a:tint val="40000"/>
-        <a:alpha val="90000"/>
-      </a:schemeClr>
-    </dgm:fillClrLst>
-    <dgm:linClrLst>
-      <a:schemeClr val="accent3">
-        <a:tint val="40000"/>
-        <a:alpha val="90000"/>
-      </a:schemeClr>
-      <a:schemeClr val="accent4">
-        <a:tint val="40000"/>
-        <a:alpha val="90000"/>
-      </a:schemeClr>
-    </dgm:linClrLst>
-    <dgm:effectClrLst/>
-    <dgm:txLinClrLst/>
-    <dgm:txFillClrLst meth="repeat">
-      <a:schemeClr val="dk1"/>
-    </dgm:txFillClrLst>
-    <dgm:txEffectClrLst/>
-  </dgm:styleLbl>
-  <dgm:styleLbl name="fgAcc0">
-    <dgm:fillClrLst meth="repeat">
-      <a:schemeClr val="lt1">
-        <a:alpha val="90000"/>
-      </a:schemeClr>
-    </dgm:fillClrLst>
-    <dgm:linClrLst>
-      <a:schemeClr val="accent2"/>
-    </dgm:linClrLst>
-    <dgm:effectClrLst/>
-    <dgm:txLinClrLst/>
-    <dgm:txFillClrLst meth="repeat">
-      <a:schemeClr val="dk1"/>
-    </dgm:txFillClrLst>
-    <dgm:txEffectClrLst/>
-  </dgm:styleLbl>
-  <dgm:styleLbl name="fgAcc2">
-    <dgm:fillClrLst meth="repeat">
-      <a:schemeClr val="lt1">
-        <a:alpha val="90000"/>
-      </a:schemeClr>
-    </dgm:fillClrLst>
-    <dgm:linClrLst>
-      <a:schemeClr val="accent4"/>
-    </dgm:linClrLst>
-    <dgm:effectClrLst/>
-    <dgm:txLinClrLst/>
-    <dgm:txFillClrLst meth="repeat">
-      <a:schemeClr val="dk1"/>
-    </dgm:txFillClrLst>
-    <dgm:txEffectClrLst/>
-  </dgm:styleLbl>
-  <dgm:styleLbl name="fgAcc3">
-    <dgm:fillClrLst meth="repeat">
-      <a:schemeClr val="lt1">
-        <a:alpha val="90000"/>
-      </a:schemeClr>
-    </dgm:fillClrLst>
-    <dgm:linClrLst>
-      <a:schemeClr val="accent5"/>
-    </dgm:linClrLst>
-    <dgm:effectClrLst/>
-    <dgm:txLinClrLst/>
-    <dgm:txFillClrLst meth="repeat">
-      <a:schemeClr val="dk1"/>
-    </dgm:txFillClrLst>
-    <dgm:txEffectClrLst/>
-  </dgm:styleLbl>
-  <dgm:styleLbl name="fgAcc4">
-    <dgm:fillClrLst meth="repeat">
-      <a:schemeClr val="lt1">
-        <a:alpha val="90000"/>
-      </a:schemeClr>
-    </dgm:fillClrLst>
-    <dgm:linClrLst>
-      <a:schemeClr val="accent6"/>
-    </dgm:linClrLst>
-    <dgm:effectClrLst/>
-    <dgm:txLinClrLst/>
-    <dgm:txFillClrLst meth="repeat">
-      <a:schemeClr val="dk1"/>
-    </dgm:txFillClrLst>
-    <dgm:txEffectClrLst/>
-  </dgm:styleLbl>
-  <dgm:styleLbl name="bgShp">
-    <dgm:fillClrLst meth="repeat">
-      <a:schemeClr val="accent3">
-        <a:tint val="40000"/>
-      </a:schemeClr>
-    </dgm:fillClrLst>
-    <dgm:linClrLst meth="repeat">
-      <a:schemeClr val="dk1"/>
-    </dgm:linClrLst>
-    <dgm:effectClrLst/>
-    <dgm:txLinClrLst/>
-    <dgm:txFillClrLst meth="repeat">
-      <a:schemeClr val="dk1"/>
-    </dgm:txFillClrLst>
-    <dgm:txEffectClrLst/>
-  </dgm:styleLbl>
-  <dgm:styleLbl name="dkBgShp">
-    <dgm:fillClrLst meth="repeat">
-      <a:schemeClr val="accent3">
-        <a:shade val="90000"/>
-      </a:schemeClr>
-    </dgm:fillClrLst>
-    <dgm:linClrLst meth="repeat">
-      <a:schemeClr val="dk1"/>
-    </dgm:linClrLst>
-    <dgm:effectClrLst/>
-    <dgm:txLinClrLst/>
-    <dgm:txFillClrLst meth="repeat">
-      <a:schemeClr val="lt1"/>
-    </dgm:txFillClrLst>
-    <dgm:txEffectClrLst/>
-  </dgm:styleLbl>
-  <dgm:styleLbl name="trBgShp">
-    <dgm:fillClrLst meth="repeat">
-      <a:schemeClr val="accent2">
-        <a:tint val="50000"/>
-        <a:alpha val="40000"/>
-      </a:schemeClr>
-    </dgm:fillClrLst>
-    <dgm:linClrLst meth="repeat">
-      <a:schemeClr val="accent3"/>
-    </dgm:linClrLst>
-    <dgm:effectClrLst/>
-    <dgm:txLinClrLst/>
-    <dgm:txFillClrLst meth="repeat">
-      <a:schemeClr val="lt1"/>
-    </dgm:txFillClrLst>
-    <dgm:txEffectClrLst/>
-  </dgm:styleLbl>
-  <dgm:styleLbl name="fgShp">
-    <dgm:fillClrLst meth="repeat">
-      <a:schemeClr val="accent3">
-        <a:tint val="40000"/>
-      </a:schemeClr>
-    </dgm:fillClrLst>
-    <dgm:linClrLst meth="repeat">
-      <a:schemeClr val="lt1"/>
-    </dgm:linClrLst>
-    <dgm:effectClrLst/>
-    <dgm:txLinClrLst/>
-    <dgm:txFillClrLst meth="repeat">
-      <a:schemeClr val="dk1"/>
-    </dgm:txFillClrLst>
-    <dgm:txEffectClrLst/>
-  </dgm:styleLbl>
-  <dgm:styleLbl name="revTx">
-    <dgm:fillClrLst meth="repeat">
-      <a:schemeClr val="lt1">
-        <a:alpha val="0"/>
-      </a:schemeClr>
-    </dgm:fillClrLst>
-    <dgm:linClrLst meth="repeat">
-      <a:schemeClr val="dk1">
-        <a:alpha val="0"/>
-      </a:schemeClr>
-    </dgm:linClrLst>
-    <dgm:effectClrLst/>
-    <dgm:txLinClrLst/>
-    <dgm:txFillClrLst meth="repeat">
-      <a:schemeClr val="tx1"/>
-    </dgm:txFillClrLst>
-    <dgm:txEffectClrLst/>
-  </dgm:styleLbl>
-</dgm:colorsDef>
-</file>
-
-<file path=ppt/diagrams/data1.xml><?xml version="1.0" encoding="utf-8"?>
-<dgm:dataModel xmlns:dgm="http://schemas.openxmlformats.org/drawingml/2006/diagram" xmlns:a="http://schemas.openxmlformats.org/drawingml/2006/main">
-  <dgm:ptLst>
-    <dgm:pt modelId="{F6FEADD9-F67D-41F5-BA4C-3C84956E7F46}" type="doc">
-      <dgm:prSet loTypeId="urn:microsoft.com/office/officeart/2005/8/layout/vList5" loCatId="list" qsTypeId="urn:microsoft.com/office/officeart/2005/8/quickstyle/simple5" qsCatId="simple" csTypeId="urn:microsoft.com/office/officeart/2005/8/colors/colorful3" csCatId="colorful" phldr="1"/>
-      <dgm:spPr/>
-      <dgm:t>
-        <a:bodyPr/>
-        <a:lstStyle/>
-        <a:p>
-          <a:endParaRPr lang="en-US"/>
-        </a:p>
-      </dgm:t>
-    </dgm:pt>
-    <dgm:pt modelId="{74EE5CD8-078F-4590-BF9C-A341A294A016}">
-      <dgm:prSet phldrT="[Text]" custT="1"/>
-      <dgm:spPr/>
-      <dgm:t>
-        <a:bodyPr/>
-        <a:lstStyle/>
-        <a:p>
-          <a:r>
-            <a:rPr lang="en-US" sz="4400" smtClean="0"/>
-            <a:t>1</a:t>
-          </a:r>
-          <a:endParaRPr lang="en-US" sz="4400" dirty="0"/>
-        </a:p>
-      </dgm:t>
-    </dgm:pt>
-    <dgm:pt modelId="{BB568D76-3363-43D3-B00C-3359A643216C}" type="parTrans" cxnId="{F40F9561-0D4C-44CF-91EF-A92B1DBDE44B}">
-      <dgm:prSet/>
-      <dgm:spPr/>
-      <dgm:t>
-        <a:bodyPr/>
-        <a:lstStyle/>
-        <a:p>
-          <a:endParaRPr lang="en-US" sz="3200"/>
-        </a:p>
-      </dgm:t>
-    </dgm:pt>
-    <dgm:pt modelId="{CF9FB981-E6ED-4440-AC98-4E4E2ABA2C55}" type="sibTrans" cxnId="{F40F9561-0D4C-44CF-91EF-A92B1DBDE44B}">
-      <dgm:prSet/>
-      <dgm:spPr/>
-      <dgm:t>
-        <a:bodyPr/>
-        <a:lstStyle/>
-        <a:p>
-          <a:endParaRPr lang="en-US" sz="3200"/>
-        </a:p>
-      </dgm:t>
-    </dgm:pt>
-    <dgm:pt modelId="{AA046201-5C4D-445E-BF0B-5C6D2B0A1945}">
-      <dgm:prSet phldrT="[Text]" custT="1"/>
-      <dgm:spPr/>
-      <dgm:t>
-        <a:bodyPr/>
-        <a:lstStyle/>
-        <a:p>
-          <a:r>
-            <a:rPr lang="en-US" sz="4400" smtClean="0"/>
-            <a:t>2</a:t>
-          </a:r>
-          <a:endParaRPr lang="en-US" sz="4400" dirty="0"/>
-        </a:p>
-      </dgm:t>
-    </dgm:pt>
-    <dgm:pt modelId="{FE92FC33-5E0F-4302-9E80-A69E8ACDDE56}" type="parTrans" cxnId="{B8AF1086-D7BE-446F-9133-738B599E9A7D}">
-      <dgm:prSet/>
-      <dgm:spPr/>
-      <dgm:t>
-        <a:bodyPr/>
-        <a:lstStyle/>
-        <a:p>
-          <a:endParaRPr lang="en-US" sz="3200"/>
-        </a:p>
-      </dgm:t>
-    </dgm:pt>
-    <dgm:pt modelId="{40767EFF-7D52-4469-ACEE-7D28E67337E2}" type="sibTrans" cxnId="{B8AF1086-D7BE-446F-9133-738B599E9A7D}">
-      <dgm:prSet/>
-      <dgm:spPr/>
-      <dgm:t>
-        <a:bodyPr/>
-        <a:lstStyle/>
-        <a:p>
-          <a:endParaRPr lang="en-US" sz="3200"/>
-        </a:p>
-      </dgm:t>
-    </dgm:pt>
-    <dgm:pt modelId="{C59269D0-92A5-481C-BA64-727AFB0DD545}">
-      <dgm:prSet phldrT="[Text]" custT="1"/>
-      <dgm:spPr/>
-      <dgm:t>
-        <a:bodyPr/>
-        <a:lstStyle/>
-        <a:p>
-          <a:r>
-            <a:rPr lang="en-US" sz="3200" dirty="0" smtClean="0">
-              <a:effectLst>
-                <a:outerShdw blurRad="38100" dist="38100" dir="2700000" algn="tl">
-                  <a:srgbClr val="000000">
-                    <a:alpha val="43137"/>
-                  </a:srgbClr>
-                </a:outerShdw>
-              </a:effectLst>
-            </a:rPr>
-            <a:t>Explore your new environment</a:t>
-          </a:r>
-          <a:endParaRPr lang="en-US" sz="3200" dirty="0">
-            <a:effectLst>
-              <a:outerShdw blurRad="38100" dist="38100" dir="2700000" algn="tl">
-                <a:srgbClr val="000000">
-                  <a:alpha val="43137"/>
-                </a:srgbClr>
-              </a:outerShdw>
-            </a:effectLst>
-          </a:endParaRPr>
-        </a:p>
-      </dgm:t>
-    </dgm:pt>
-    <dgm:pt modelId="{312CC84D-092F-422A-AA24-A4619DBBB7BE}" type="parTrans" cxnId="{9071FB3B-D26B-4384-BD1A-80C12C62D02C}">
-      <dgm:prSet/>
-      <dgm:spPr/>
-      <dgm:t>
-        <a:bodyPr/>
-        <a:lstStyle/>
-        <a:p>
-          <a:endParaRPr lang="en-US" sz="3200"/>
-        </a:p>
-      </dgm:t>
-    </dgm:pt>
-    <dgm:pt modelId="{266DE8E8-1339-41C4-B9A7-6148496C7FA9}" type="sibTrans" cxnId="{9071FB3B-D26B-4384-BD1A-80C12C62D02C}">
-      <dgm:prSet/>
-      <dgm:spPr/>
-      <dgm:t>
-        <a:bodyPr/>
-        <a:lstStyle/>
-        <a:p>
-          <a:endParaRPr lang="en-US" sz="3200"/>
-        </a:p>
-      </dgm:t>
-    </dgm:pt>
-    <dgm:pt modelId="{D1776C8F-2B10-4075-8DF7-7F65AB725ED5}">
-      <dgm:prSet phldrT="[Text]" custT="1"/>
-      <dgm:spPr/>
-      <dgm:t>
-        <a:bodyPr/>
-        <a:lstStyle/>
-        <a:p>
-          <a:r>
-            <a:rPr lang="en-US" sz="4400" smtClean="0"/>
-            <a:t>3</a:t>
-          </a:r>
-          <a:endParaRPr lang="en-US" sz="4400" dirty="0"/>
-        </a:p>
-      </dgm:t>
-    </dgm:pt>
-    <dgm:pt modelId="{7291E740-3E17-41B3-99D3-1D67AE37CC3F}" type="parTrans" cxnId="{7077B78D-FCDC-4519-8416-DC357ACD5043}">
-      <dgm:prSet/>
-      <dgm:spPr/>
-      <dgm:t>
-        <a:bodyPr/>
-        <a:lstStyle/>
-        <a:p>
-          <a:endParaRPr lang="en-US" sz="3200"/>
-        </a:p>
-      </dgm:t>
-    </dgm:pt>
-    <dgm:pt modelId="{88B75C29-8054-417D-BCE3-878A55118F6D}" type="sibTrans" cxnId="{7077B78D-FCDC-4519-8416-DC357ACD5043}">
-      <dgm:prSet/>
-      <dgm:spPr/>
-      <dgm:t>
-        <a:bodyPr/>
-        <a:lstStyle/>
-        <a:p>
-          <a:endParaRPr lang="en-US" sz="3200"/>
-        </a:p>
-      </dgm:t>
-    </dgm:pt>
-    <dgm:pt modelId="{6BE4E373-0656-4EDC-821E-BE09C952B1F6}">
-      <dgm:prSet phldrT="[Text]" custT="1"/>
-      <dgm:spPr/>
-      <dgm:t>
-        <a:bodyPr/>
-        <a:lstStyle/>
-        <a:p>
-          <a:r>
-            <a:rPr lang="en-US" sz="3200" dirty="0" smtClean="0">
-              <a:effectLst>
-                <a:outerShdw blurRad="38100" dist="38100" dir="2700000" algn="tl">
-                  <a:srgbClr val="000000">
-                    <a:alpha val="43137"/>
-                  </a:srgbClr>
-                </a:outerShdw>
-              </a:effectLst>
-            </a:rPr>
-            <a:t>Meet your new colleagues</a:t>
-          </a:r>
-          <a:endParaRPr lang="en-US" sz="3200" dirty="0">
-            <a:effectLst>
-              <a:outerShdw blurRad="38100" dist="38100" dir="2700000" algn="tl">
-                <a:srgbClr val="000000">
-                  <a:alpha val="43137"/>
-                </a:srgbClr>
-              </a:outerShdw>
-            </a:effectLst>
-          </a:endParaRPr>
-        </a:p>
-      </dgm:t>
-    </dgm:pt>
-    <dgm:pt modelId="{34218063-BF94-4304-99BD-B3F7BA4D3C8F}" type="parTrans" cxnId="{119690D4-400B-468B-8BA0-5C9C9E2AFEAF}">
-      <dgm:prSet/>
-      <dgm:spPr/>
-      <dgm:t>
-        <a:bodyPr/>
-        <a:lstStyle/>
-        <a:p>
-          <a:endParaRPr lang="en-US" sz="3200"/>
-        </a:p>
-      </dgm:t>
-    </dgm:pt>
-    <dgm:pt modelId="{E17B9BF1-2948-497F-8EC7-3BF734D839DB}" type="sibTrans" cxnId="{119690D4-400B-468B-8BA0-5C9C9E2AFEAF}">
-      <dgm:prSet/>
-      <dgm:spPr/>
-      <dgm:t>
-        <a:bodyPr/>
-        <a:lstStyle/>
-        <a:p>
-          <a:endParaRPr lang="en-US" sz="3200"/>
-        </a:p>
-      </dgm:t>
-    </dgm:pt>
-    <dgm:pt modelId="{1E4D3931-0DBD-4211-A24A-6AF364284B1E}">
-      <dgm:prSet phldrT="[Text]" custT="1"/>
-      <dgm:spPr/>
-      <dgm:t>
-        <a:bodyPr/>
-        <a:lstStyle/>
-        <a:p>
-          <a:pPr marL="280988" indent="-280988"/>
-          <a:r>
-            <a:rPr lang="en-US" sz="3200" dirty="0" smtClean="0">
-              <a:effectLst>
-                <a:outerShdw blurRad="38100" dist="38100" dir="2700000" algn="tl">
-                  <a:srgbClr val="000000">
-                    <a:alpha val="43137"/>
-                  </a:srgbClr>
-                </a:outerShdw>
-              </a:effectLst>
-            </a:rPr>
-            <a:t>Familiarize yourself with your new assignment</a:t>
-          </a:r>
-          <a:endParaRPr lang="en-US" sz="3200" dirty="0">
-            <a:effectLst>
-              <a:outerShdw blurRad="38100" dist="38100" dir="2700000" algn="tl">
-                <a:srgbClr val="000000">
-                  <a:alpha val="43137"/>
-                </a:srgbClr>
-              </a:outerShdw>
-            </a:effectLst>
-          </a:endParaRPr>
-        </a:p>
-      </dgm:t>
-    </dgm:pt>
-    <dgm:pt modelId="{CADAA3D9-7C63-4729-85B0-64C8AF644EEF}" type="sibTrans" cxnId="{63E4D827-0083-4625-9FD6-043D8D32091E}">
-      <dgm:prSet/>
-      <dgm:spPr/>
-      <dgm:t>
-        <a:bodyPr/>
-        <a:lstStyle/>
-        <a:p>
-          <a:endParaRPr lang="en-US" sz="3200"/>
-        </a:p>
-      </dgm:t>
-    </dgm:pt>
-    <dgm:pt modelId="{FC93695B-FD0E-4353-B1FD-4328F4386DEC}" type="parTrans" cxnId="{63E4D827-0083-4625-9FD6-043D8D32091E}">
-      <dgm:prSet/>
-      <dgm:spPr/>
-      <dgm:t>
-        <a:bodyPr/>
-        <a:lstStyle/>
-        <a:p>
-          <a:endParaRPr lang="en-US" sz="3200"/>
-        </a:p>
-      </dgm:t>
-    </dgm:pt>
-    <dgm:pt modelId="{AAE7A1E6-6847-453D-B55B-8A82BF138C1D}" type="pres">
-      <dgm:prSet presAssocID="{F6FEADD9-F67D-41F5-BA4C-3C84956E7F46}" presName="Name0" presStyleCnt="0">
-        <dgm:presLayoutVars>
-          <dgm:dir/>
-          <dgm:animLvl val="lvl"/>
-          <dgm:resizeHandles val="exact"/>
-        </dgm:presLayoutVars>
-      </dgm:prSet>
-      <dgm:spPr/>
-      <dgm:t>
-        <a:bodyPr/>
-        <a:lstStyle/>
-        <a:p>
-          <a:endParaRPr lang="en-US"/>
-        </a:p>
-      </dgm:t>
-    </dgm:pt>
-    <dgm:pt modelId="{C4407577-18A2-46E0-8805-2838042EB67A}" type="pres">
-      <dgm:prSet presAssocID="{74EE5CD8-078F-4590-BF9C-A341A294A016}" presName="linNode" presStyleCnt="0"/>
-      <dgm:spPr/>
-      <dgm:t>
-        <a:bodyPr/>
-        <a:lstStyle/>
-        <a:p>
-          <a:endParaRPr lang="en-US"/>
-        </a:p>
-      </dgm:t>
-    </dgm:pt>
-    <dgm:pt modelId="{7E429971-BC57-430F-BB25-C0574E5E39E3}" type="pres">
-      <dgm:prSet presAssocID="{74EE5CD8-078F-4590-BF9C-A341A294A016}" presName="parentText" presStyleLbl="node1" presStyleIdx="0" presStyleCnt="3" custLinFactNeighborY="-15667">
-        <dgm:presLayoutVars>
-          <dgm:chMax val="1"/>
-          <dgm:bulletEnabled val="1"/>
-        </dgm:presLayoutVars>
-      </dgm:prSet>
-      <dgm:spPr>
-        <a:prstGeom prst="roundRect">
-          <a:avLst/>
-        </a:prstGeom>
-      </dgm:spPr>
-      <dgm:t>
-        <a:bodyPr/>
-        <a:lstStyle/>
-        <a:p>
-          <a:endParaRPr lang="en-US"/>
-        </a:p>
-      </dgm:t>
-    </dgm:pt>
-    <dgm:pt modelId="{D54B1729-BC98-42C1-9C6C-D65DCBA4358F}" type="pres">
-      <dgm:prSet presAssocID="{74EE5CD8-078F-4590-BF9C-A341A294A016}" presName="descendantText" presStyleLbl="alignAccFollowNode1" presStyleIdx="0" presStyleCnt="3" custScaleX="259632">
-        <dgm:presLayoutVars>
-          <dgm:bulletEnabled val="1"/>
-        </dgm:presLayoutVars>
-      </dgm:prSet>
-      <dgm:spPr>
-        <a:prstGeom prst="rect">
-          <a:avLst/>
-        </a:prstGeom>
-      </dgm:spPr>
-      <dgm:t>
-        <a:bodyPr/>
-        <a:lstStyle/>
-        <a:p>
-          <a:endParaRPr lang="en-US"/>
-        </a:p>
-      </dgm:t>
-    </dgm:pt>
-    <dgm:pt modelId="{AB8574CC-D4F2-4555-AEE3-F4EE58B11D03}" type="pres">
-      <dgm:prSet presAssocID="{CF9FB981-E6ED-4440-AC98-4E4E2ABA2C55}" presName="sp" presStyleCnt="0"/>
-      <dgm:spPr/>
-      <dgm:t>
-        <a:bodyPr/>
-        <a:lstStyle/>
-        <a:p>
-          <a:endParaRPr lang="en-US"/>
-        </a:p>
-      </dgm:t>
-    </dgm:pt>
-    <dgm:pt modelId="{85B8F607-FDD8-476A-ADBE-E1250824F294}" type="pres">
-      <dgm:prSet presAssocID="{AA046201-5C4D-445E-BF0B-5C6D2B0A1945}" presName="linNode" presStyleCnt="0"/>
-      <dgm:spPr/>
-      <dgm:t>
-        <a:bodyPr/>
-        <a:lstStyle/>
-        <a:p>
-          <a:endParaRPr lang="en-US"/>
-        </a:p>
-      </dgm:t>
-    </dgm:pt>
-    <dgm:pt modelId="{C04276DC-EE64-470A-B8BC-09067B8045FA}" type="pres">
-      <dgm:prSet presAssocID="{AA046201-5C4D-445E-BF0B-5C6D2B0A1945}" presName="parentText" presStyleLbl="node1" presStyleIdx="1" presStyleCnt="3">
-        <dgm:presLayoutVars>
-          <dgm:chMax val="1"/>
-          <dgm:bulletEnabled val="1"/>
-        </dgm:presLayoutVars>
-      </dgm:prSet>
-      <dgm:spPr>
-        <a:prstGeom prst="roundRect">
-          <a:avLst/>
-        </a:prstGeom>
-      </dgm:spPr>
-      <dgm:t>
-        <a:bodyPr/>
-        <a:lstStyle/>
-        <a:p>
-          <a:endParaRPr lang="en-US"/>
-        </a:p>
-      </dgm:t>
-    </dgm:pt>
-    <dgm:pt modelId="{B37A5355-225B-4C6F-AED7-6C620F99EECC}" type="pres">
-      <dgm:prSet presAssocID="{AA046201-5C4D-445E-BF0B-5C6D2B0A1945}" presName="descendantText" presStyleLbl="alignAccFollowNode1" presStyleIdx="1" presStyleCnt="3" custScaleX="259632">
-        <dgm:presLayoutVars>
-          <dgm:bulletEnabled val="1"/>
-        </dgm:presLayoutVars>
-      </dgm:prSet>
-      <dgm:spPr>
-        <a:prstGeom prst="rect">
-          <a:avLst/>
-        </a:prstGeom>
-      </dgm:spPr>
-      <dgm:t>
-        <a:bodyPr/>
-        <a:lstStyle/>
-        <a:p>
-          <a:endParaRPr lang="en-US"/>
-        </a:p>
-      </dgm:t>
-    </dgm:pt>
-    <dgm:pt modelId="{5ACAA866-A8A8-4183-97B5-CEEAB1525C60}" type="pres">
-      <dgm:prSet presAssocID="{40767EFF-7D52-4469-ACEE-7D28E67337E2}" presName="sp" presStyleCnt="0"/>
-      <dgm:spPr/>
-      <dgm:t>
-        <a:bodyPr/>
-        <a:lstStyle/>
-        <a:p>
-          <a:endParaRPr lang="en-US"/>
-        </a:p>
-      </dgm:t>
-    </dgm:pt>
-    <dgm:pt modelId="{477213BE-9E91-4950-8451-7F60796F47F4}" type="pres">
-      <dgm:prSet presAssocID="{D1776C8F-2B10-4075-8DF7-7F65AB725ED5}" presName="linNode" presStyleCnt="0"/>
-      <dgm:spPr/>
-      <dgm:t>
-        <a:bodyPr/>
-        <a:lstStyle/>
-        <a:p>
-          <a:endParaRPr lang="en-US"/>
-        </a:p>
-      </dgm:t>
-    </dgm:pt>
-    <dgm:pt modelId="{F5034101-5B7D-4FE7-B47A-5A48CF39606B}" type="pres">
-      <dgm:prSet presAssocID="{D1776C8F-2B10-4075-8DF7-7F65AB725ED5}" presName="parentText" presStyleLbl="node1" presStyleIdx="2" presStyleCnt="3">
-        <dgm:presLayoutVars>
-          <dgm:chMax val="1"/>
-          <dgm:bulletEnabled val="1"/>
-        </dgm:presLayoutVars>
-      </dgm:prSet>
-      <dgm:spPr>
-        <a:prstGeom prst="roundRect">
-          <a:avLst/>
-        </a:prstGeom>
-      </dgm:spPr>
-      <dgm:t>
-        <a:bodyPr/>
-        <a:lstStyle/>
-        <a:p>
-          <a:endParaRPr lang="en-US"/>
-        </a:p>
-      </dgm:t>
-    </dgm:pt>
-    <dgm:pt modelId="{C7C3E6FD-D83F-4BDA-907E-B5EE041DA931}" type="pres">
-      <dgm:prSet presAssocID="{D1776C8F-2B10-4075-8DF7-7F65AB725ED5}" presName="descendantText" presStyleLbl="alignAccFollowNode1" presStyleIdx="2" presStyleCnt="3" custScaleX="259632">
-        <dgm:presLayoutVars>
-          <dgm:bulletEnabled val="1"/>
-        </dgm:presLayoutVars>
-      </dgm:prSet>
-      <dgm:spPr>
-        <a:prstGeom prst="rect">
-          <a:avLst/>
-        </a:prstGeom>
-      </dgm:spPr>
-      <dgm:t>
-        <a:bodyPr/>
-        <a:lstStyle/>
-        <a:p>
-          <a:endParaRPr lang="en-US"/>
-        </a:p>
-      </dgm:t>
-    </dgm:pt>
-  </dgm:ptLst>
-  <dgm:cxnLst>
-    <dgm:cxn modelId="{7077B78D-FCDC-4519-8416-DC357ACD5043}" srcId="{F6FEADD9-F67D-41F5-BA4C-3C84956E7F46}" destId="{D1776C8F-2B10-4075-8DF7-7F65AB725ED5}" srcOrd="2" destOrd="0" parTransId="{7291E740-3E17-41B3-99D3-1D67AE37CC3F}" sibTransId="{88B75C29-8054-417D-BCE3-878A55118F6D}"/>
-    <dgm:cxn modelId="{119690D4-400B-468B-8BA0-5C9C9E2AFEAF}" srcId="{D1776C8F-2B10-4075-8DF7-7F65AB725ED5}" destId="{6BE4E373-0656-4EDC-821E-BE09C952B1F6}" srcOrd="0" destOrd="0" parTransId="{34218063-BF94-4304-99BD-B3F7BA4D3C8F}" sibTransId="{E17B9BF1-2948-497F-8EC7-3BF734D839DB}"/>
-    <dgm:cxn modelId="{3D887057-7E91-45EF-8E4B-3006C2DFECB4}" type="presOf" srcId="{6BE4E373-0656-4EDC-821E-BE09C952B1F6}" destId="{C7C3E6FD-D83F-4BDA-907E-B5EE041DA931}" srcOrd="0" destOrd="0" presId="urn:microsoft.com/office/officeart/2005/8/layout/vList5"/>
-    <dgm:cxn modelId="{B6416E04-E5DE-46CA-AD27-47EBE280D636}" type="presOf" srcId="{C59269D0-92A5-481C-BA64-727AFB0DD545}" destId="{B37A5355-225B-4C6F-AED7-6C620F99EECC}" srcOrd="0" destOrd="0" presId="urn:microsoft.com/office/officeart/2005/8/layout/vList5"/>
-    <dgm:cxn modelId="{F40F9561-0D4C-44CF-91EF-A92B1DBDE44B}" srcId="{F6FEADD9-F67D-41F5-BA4C-3C84956E7F46}" destId="{74EE5CD8-078F-4590-BF9C-A341A294A016}" srcOrd="0" destOrd="0" parTransId="{BB568D76-3363-43D3-B00C-3359A643216C}" sibTransId="{CF9FB981-E6ED-4440-AC98-4E4E2ABA2C55}"/>
-    <dgm:cxn modelId="{5417F3DF-8CAE-4E6C-ADBB-ED6F50084B8E}" type="presOf" srcId="{D1776C8F-2B10-4075-8DF7-7F65AB725ED5}" destId="{F5034101-5B7D-4FE7-B47A-5A48CF39606B}" srcOrd="0" destOrd="0" presId="urn:microsoft.com/office/officeart/2005/8/layout/vList5"/>
-    <dgm:cxn modelId="{9071FB3B-D26B-4384-BD1A-80C12C62D02C}" srcId="{AA046201-5C4D-445E-BF0B-5C6D2B0A1945}" destId="{C59269D0-92A5-481C-BA64-727AFB0DD545}" srcOrd="0" destOrd="0" parTransId="{312CC84D-092F-422A-AA24-A4619DBBB7BE}" sibTransId="{266DE8E8-1339-41C4-B9A7-6148496C7FA9}"/>
-    <dgm:cxn modelId="{B8AF1086-D7BE-446F-9133-738B599E9A7D}" srcId="{F6FEADD9-F67D-41F5-BA4C-3C84956E7F46}" destId="{AA046201-5C4D-445E-BF0B-5C6D2B0A1945}" srcOrd="1" destOrd="0" parTransId="{FE92FC33-5E0F-4302-9E80-A69E8ACDDE56}" sibTransId="{40767EFF-7D52-4469-ACEE-7D28E67337E2}"/>
-    <dgm:cxn modelId="{DBCA7E61-D822-40A0-A27A-D7E092386A0B}" type="presOf" srcId="{F6FEADD9-F67D-41F5-BA4C-3C84956E7F46}" destId="{AAE7A1E6-6847-453D-B55B-8A82BF138C1D}" srcOrd="0" destOrd="0" presId="urn:microsoft.com/office/officeart/2005/8/layout/vList5"/>
-    <dgm:cxn modelId="{9A0DCB65-9DCB-4972-9768-1762E4116F3C}" type="presOf" srcId="{74EE5CD8-078F-4590-BF9C-A341A294A016}" destId="{7E429971-BC57-430F-BB25-C0574E5E39E3}" srcOrd="0" destOrd="0" presId="urn:microsoft.com/office/officeart/2005/8/layout/vList5"/>
-    <dgm:cxn modelId="{63E4D827-0083-4625-9FD6-043D8D32091E}" srcId="{74EE5CD8-078F-4590-BF9C-A341A294A016}" destId="{1E4D3931-0DBD-4211-A24A-6AF364284B1E}" srcOrd="0" destOrd="0" parTransId="{FC93695B-FD0E-4353-B1FD-4328F4386DEC}" sibTransId="{CADAA3D9-7C63-4729-85B0-64C8AF644EEF}"/>
-    <dgm:cxn modelId="{1D12F37E-DF42-400C-B5B5-A8FAF49EC0EC}" type="presOf" srcId="{1E4D3931-0DBD-4211-A24A-6AF364284B1E}" destId="{D54B1729-BC98-42C1-9C6C-D65DCBA4358F}" srcOrd="0" destOrd="0" presId="urn:microsoft.com/office/officeart/2005/8/layout/vList5"/>
-    <dgm:cxn modelId="{AFF7133D-5E9D-4613-9299-006F9E49301B}" type="presOf" srcId="{AA046201-5C4D-445E-BF0B-5C6D2B0A1945}" destId="{C04276DC-EE64-470A-B8BC-09067B8045FA}" srcOrd="0" destOrd="0" presId="urn:microsoft.com/office/officeart/2005/8/layout/vList5"/>
-    <dgm:cxn modelId="{1E18118B-9778-4714-A249-2B714D5427F7}" type="presParOf" srcId="{AAE7A1E6-6847-453D-B55B-8A82BF138C1D}" destId="{C4407577-18A2-46E0-8805-2838042EB67A}" srcOrd="0" destOrd="0" presId="urn:microsoft.com/office/officeart/2005/8/layout/vList5"/>
-    <dgm:cxn modelId="{84152E8A-21A6-4CAF-BC09-47C13F4FFFB8}" type="presParOf" srcId="{C4407577-18A2-46E0-8805-2838042EB67A}" destId="{7E429971-BC57-430F-BB25-C0574E5E39E3}" srcOrd="0" destOrd="0" presId="urn:microsoft.com/office/officeart/2005/8/layout/vList5"/>
-    <dgm:cxn modelId="{1D51832F-3B38-483B-8C08-BDD413206841}" type="presParOf" srcId="{C4407577-18A2-46E0-8805-2838042EB67A}" destId="{D54B1729-BC98-42C1-9C6C-D65DCBA4358F}" srcOrd="1" destOrd="0" presId="urn:microsoft.com/office/officeart/2005/8/layout/vList5"/>
-    <dgm:cxn modelId="{F2BB24AB-7DB6-4F0F-92D8-664E0F322520}" type="presParOf" srcId="{AAE7A1E6-6847-453D-B55B-8A82BF138C1D}" destId="{AB8574CC-D4F2-4555-AEE3-F4EE58B11D03}" srcOrd="1" destOrd="0" presId="urn:microsoft.com/office/officeart/2005/8/layout/vList5"/>
-    <dgm:cxn modelId="{3F47CC38-27AC-4E4E-92A2-FDE046382C80}" type="presParOf" srcId="{AAE7A1E6-6847-453D-B55B-8A82BF138C1D}" destId="{85B8F607-FDD8-476A-ADBE-E1250824F294}" srcOrd="2" destOrd="0" presId="urn:microsoft.com/office/officeart/2005/8/layout/vList5"/>
-    <dgm:cxn modelId="{B4BBC5E0-69C0-4FD2-84A6-C47E62DEA28D}" type="presParOf" srcId="{85B8F607-FDD8-476A-ADBE-E1250824F294}" destId="{C04276DC-EE64-470A-B8BC-09067B8045FA}" srcOrd="0" destOrd="0" presId="urn:microsoft.com/office/officeart/2005/8/layout/vList5"/>
-    <dgm:cxn modelId="{71B90C6E-E0F2-4EE1-8864-5914AAFA20A7}" type="presParOf" srcId="{85B8F607-FDD8-476A-ADBE-E1250824F294}" destId="{B37A5355-225B-4C6F-AED7-6C620F99EECC}" srcOrd="1" destOrd="0" presId="urn:microsoft.com/office/officeart/2005/8/layout/vList5"/>
-    <dgm:cxn modelId="{E6DEED78-0C33-4D1D-A595-AFE4311369E4}" type="presParOf" srcId="{AAE7A1E6-6847-453D-B55B-8A82BF138C1D}" destId="{5ACAA866-A8A8-4183-97B5-CEEAB1525C60}" srcOrd="3" destOrd="0" presId="urn:microsoft.com/office/officeart/2005/8/layout/vList5"/>
-    <dgm:cxn modelId="{FD2A22C3-24B0-4E4D-A3BC-79528D3FBC48}" type="presParOf" srcId="{AAE7A1E6-6847-453D-B55B-8A82BF138C1D}" destId="{477213BE-9E91-4950-8451-7F60796F47F4}" srcOrd="4" destOrd="0" presId="urn:microsoft.com/office/officeart/2005/8/layout/vList5"/>
-    <dgm:cxn modelId="{2D9E3819-8AF8-4F78-AD5E-1D892BCE0381}" type="presParOf" srcId="{477213BE-9E91-4950-8451-7F60796F47F4}" destId="{F5034101-5B7D-4FE7-B47A-5A48CF39606B}" srcOrd="0" destOrd="0" presId="urn:microsoft.com/office/officeart/2005/8/layout/vList5"/>
-    <dgm:cxn modelId="{5FD7E964-E46A-45B4-A545-5D657B6094BB}" type="presParOf" srcId="{477213BE-9E91-4950-8451-7F60796F47F4}" destId="{C7C3E6FD-D83F-4BDA-907E-B5EE041DA931}" srcOrd="1" destOrd="0" presId="urn:microsoft.com/office/officeart/2005/8/layout/vList5"/>
-  </dgm:cxnLst>
-  <dgm:bg/>
-  <dgm:whole/>
-  <dgm:extLst>
-    <a:ext uri="http://schemas.microsoft.com/office/drawing/2008/diagram">
-      <dsp:dataModelExt xmlns:dsp="http://schemas.microsoft.com/office/drawing/2008/diagram" relId="rId7" minVer="http://schemas.openxmlformats.org/drawingml/2006/diagram"/>
-    </a:ext>
-  </dgm:extLst>
-</dgm:dataModel>
-</file>
-
-<file path=ppt/diagrams/drawing1.xml><?xml version="1.0" encoding="utf-8"?>
-<dsp:drawing xmlns:dgm="http://schemas.openxmlformats.org/drawingml/2006/diagram" xmlns:dsp="http://schemas.microsoft.com/office/drawing/2008/diagram" xmlns:a="http://schemas.openxmlformats.org/drawingml/2006/main">
-  <dsp:spTree>
-    <dsp:nvGrpSpPr>
-      <dsp:cNvPr id="0" name=""/>
-      <dsp:cNvGrpSpPr/>
-    </dsp:nvGrpSpPr>
-    <dsp:grpSpPr/>
-    <dsp:sp modelId="{D54B1729-BC98-42C1-9C6C-D65DCBA4358F}">
-      <dsp:nvSpPr>
-        <dsp:cNvPr id="0" name=""/>
-        <dsp:cNvSpPr/>
-      </dsp:nvSpPr>
-      <dsp:spPr>
-        <a:xfrm rot="5400000">
-          <a:off x="3066871" y="-1848315"/>
-          <a:ext cx="1047750" cy="5010287"/>
-        </a:xfrm>
-        <a:prstGeom prst="rect">
-          <a:avLst/>
-        </a:prstGeom>
-        <a:solidFill>
-          <a:schemeClr val="accent3">
-            <a:tint val="40000"/>
-            <a:alpha val="90000"/>
-            <a:hueOff val="0"/>
-            <a:satOff val="0"/>
-            <a:lumOff val="0"/>
-            <a:alphaOff val="0"/>
-          </a:schemeClr>
-        </a:solidFill>
-        <a:ln w="9525" cap="flat" cmpd="sng" algn="ctr">
-          <a:solidFill>
-            <a:schemeClr val="accent3">
-              <a:tint val="40000"/>
-              <a:alpha val="90000"/>
-              <a:hueOff val="0"/>
-              <a:satOff val="0"/>
-              <a:lumOff val="0"/>
-              <a:alphaOff val="0"/>
-            </a:schemeClr>
-          </a:solidFill>
-          <a:prstDash val="solid"/>
-        </a:ln>
-        <a:effectLst>
-          <a:outerShdw blurRad="40000" dist="23000" dir="5400000" rotWithShape="0">
-            <a:srgbClr val="000000">
-              <a:alpha val="35000"/>
-            </a:srgbClr>
-          </a:outerShdw>
-        </a:effectLst>
-      </dsp:spPr>
-      <dsp:style>
-        <a:lnRef idx="1">
-          <a:scrgbClr r="0" g="0" b="0"/>
-        </a:lnRef>
-        <a:fillRef idx="1">
-          <a:scrgbClr r="0" g="0" b="0"/>
-        </a:fillRef>
-        <a:effectRef idx="2">
-          <a:scrgbClr r="0" g="0" b="0"/>
-        </a:effectRef>
-        <a:fontRef idx="minor"/>
-      </dsp:style>
-      <dsp:txBody>
-        <a:bodyPr spcFirstLastPara="0" vert="horz" wrap="square" lIns="247650" tIns="123825" rIns="247650" bIns="123825" numCol="1" spcCol="1270" anchor="ctr" anchorCtr="0">
-          <a:noAutofit/>
-        </a:bodyPr>
-        <a:lstStyle/>
-        <a:p>
-          <a:pPr marL="280988" lvl="1" indent="-280988" algn="l" defTabSz="1422400">
-            <a:lnSpc>
-              <a:spcPct val="90000"/>
-            </a:lnSpc>
-            <a:spcBef>
-              <a:spcPct val="0"/>
-            </a:spcBef>
-            <a:spcAft>
-              <a:spcPct val="15000"/>
-            </a:spcAft>
-            <a:buChar char="••"/>
-          </a:pPr>
-          <a:r>
-            <a:rPr lang="en-US" sz="3200" kern="1200" dirty="0" smtClean="0">
-              <a:effectLst>
-                <a:outerShdw blurRad="38100" dist="38100" dir="2700000" algn="tl">
-                  <a:srgbClr val="000000">
-                    <a:alpha val="43137"/>
-                  </a:srgbClr>
-                </a:outerShdw>
-              </a:effectLst>
-            </a:rPr>
-            <a:t>Familiarize yourself with your new assignment</a:t>
-          </a:r>
-          <a:endParaRPr lang="en-US" sz="3200" kern="1200" dirty="0">
-            <a:effectLst>
-              <a:outerShdw blurRad="38100" dist="38100" dir="2700000" algn="tl">
-                <a:srgbClr val="000000">
-                  <a:alpha val="43137"/>
-                </a:srgbClr>
-              </a:outerShdw>
-            </a:effectLst>
-          </a:endParaRPr>
-        </a:p>
-      </dsp:txBody>
-      <dsp:txXfrm rot="-5400000">
-        <a:off x="1085603" y="132953"/>
-        <a:ext cx="5010287" cy="1047750"/>
-      </dsp:txXfrm>
-    </dsp:sp>
-    <dsp:sp modelId="{7E429971-BC57-430F-BB25-C0574E5E39E3}">
-      <dsp:nvSpPr>
-        <dsp:cNvPr id="0" name=""/>
-        <dsp:cNvSpPr/>
-      </dsp:nvSpPr>
-      <dsp:spPr>
-        <a:xfrm>
-          <a:off x="109" y="0"/>
-          <a:ext cx="1085492" cy="1309687"/>
-        </a:xfrm>
-        <a:prstGeom prst="roundRect">
-          <a:avLst/>
-        </a:prstGeom>
-        <a:gradFill rotWithShape="0">
-          <a:gsLst>
-            <a:gs pos="0">
-              <a:schemeClr val="accent3">
-                <a:hueOff val="0"/>
-                <a:satOff val="0"/>
-                <a:lumOff val="0"/>
-                <a:alphaOff val="0"/>
-                <a:shade val="51000"/>
-                <a:satMod val="130000"/>
-              </a:schemeClr>
-            </a:gs>
-            <a:gs pos="80000">
-              <a:schemeClr val="accent3">
-                <a:hueOff val="0"/>
-                <a:satOff val="0"/>
-                <a:lumOff val="0"/>
-                <a:alphaOff val="0"/>
-                <a:shade val="93000"/>
-                <a:satMod val="130000"/>
-              </a:schemeClr>
-            </a:gs>
-            <a:gs pos="100000">
-              <a:schemeClr val="accent3">
-                <a:hueOff val="0"/>
-                <a:satOff val="0"/>
-                <a:lumOff val="0"/>
-                <a:alphaOff val="0"/>
-                <a:shade val="94000"/>
-                <a:satMod val="135000"/>
-              </a:schemeClr>
-            </a:gs>
-          </a:gsLst>
-          <a:lin ang="16200000" scaled="0"/>
-        </a:gradFill>
-        <a:ln>
-          <a:noFill/>
-        </a:ln>
-        <a:effectLst>
-          <a:outerShdw blurRad="40000" dist="23000" dir="5400000" rotWithShape="0">
-            <a:srgbClr val="000000">
-              <a:alpha val="35000"/>
-            </a:srgbClr>
-          </a:outerShdw>
-        </a:effectLst>
-        <a:scene3d>
-          <a:camera prst="orthographicFront">
-            <a:rot lat="0" lon="0" rev="0"/>
-          </a:camera>
-          <a:lightRig rig="threePt" dir="t">
-            <a:rot lat="0" lon="0" rev="1200000"/>
-          </a:lightRig>
-        </a:scene3d>
-        <a:sp3d>
-          <a:bevelT w="63500" h="25400"/>
-        </a:sp3d>
-      </dsp:spPr>
-      <dsp:style>
-        <a:lnRef idx="0">
-          <a:scrgbClr r="0" g="0" b="0"/>
-        </a:lnRef>
-        <a:fillRef idx="3">
-          <a:scrgbClr r="0" g="0" b="0"/>
-        </a:fillRef>
-        <a:effectRef idx="3">
-          <a:scrgbClr r="0" g="0" b="0"/>
-        </a:effectRef>
-        <a:fontRef idx="minor">
-          <a:schemeClr val="lt1"/>
-        </a:fontRef>
-      </dsp:style>
-      <dsp:txBody>
-        <a:bodyPr spcFirstLastPara="0" vert="horz" wrap="square" lIns="167640" tIns="83820" rIns="167640" bIns="83820" numCol="1" spcCol="1270" anchor="ctr" anchorCtr="0">
-          <a:noAutofit/>
-        </a:bodyPr>
-        <a:lstStyle/>
-        <a:p>
-          <a:pPr lvl="0" algn="ctr" defTabSz="1955800">
-            <a:lnSpc>
-              <a:spcPct val="90000"/>
-            </a:lnSpc>
-            <a:spcBef>
-              <a:spcPct val="0"/>
-            </a:spcBef>
-            <a:spcAft>
-              <a:spcPct val="35000"/>
-            </a:spcAft>
-          </a:pPr>
-          <a:r>
-            <a:rPr lang="en-US" sz="4400" kern="1200" smtClean="0"/>
-            <a:t>1</a:t>
-          </a:r>
-          <a:endParaRPr lang="en-US" sz="4400" kern="1200" dirty="0"/>
-        </a:p>
-      </dsp:txBody>
-      <dsp:txXfrm>
-        <a:off x="53098" y="52989"/>
-        <a:ext cx="979514" cy="1203709"/>
-      </dsp:txXfrm>
-    </dsp:sp>
-    <dsp:sp modelId="{B37A5355-225B-4C6F-AED7-6C620F99EECC}">
-      <dsp:nvSpPr>
-        <dsp:cNvPr id="0" name=""/>
-        <dsp:cNvSpPr/>
-      </dsp:nvSpPr>
-      <dsp:spPr>
-        <a:xfrm rot="5400000">
-          <a:off x="3066871" y="-473143"/>
-          <a:ext cx="1047750" cy="5010287"/>
-        </a:xfrm>
-        <a:prstGeom prst="rect">
-          <a:avLst/>
-        </a:prstGeom>
-        <a:solidFill>
-          <a:schemeClr val="accent3">
-            <a:tint val="40000"/>
-            <a:alpha val="90000"/>
-            <a:hueOff val="5358425"/>
-            <a:satOff val="-6896"/>
-            <a:lumOff val="-537"/>
-            <a:alphaOff val="0"/>
-          </a:schemeClr>
-        </a:solidFill>
-        <a:ln w="9525" cap="flat" cmpd="sng" algn="ctr">
-          <a:solidFill>
-            <a:schemeClr val="accent3">
-              <a:tint val="40000"/>
-              <a:alpha val="90000"/>
-              <a:hueOff val="5358425"/>
-              <a:satOff val="-6896"/>
-              <a:lumOff val="-537"/>
-              <a:alphaOff val="0"/>
-            </a:schemeClr>
-          </a:solidFill>
-          <a:prstDash val="solid"/>
-        </a:ln>
-        <a:effectLst>
-          <a:outerShdw blurRad="40000" dist="23000" dir="5400000" rotWithShape="0">
-            <a:srgbClr val="000000">
-              <a:alpha val="35000"/>
-            </a:srgbClr>
-          </a:outerShdw>
-        </a:effectLst>
-      </dsp:spPr>
-      <dsp:style>
-        <a:lnRef idx="1">
-          <a:scrgbClr r="0" g="0" b="0"/>
-        </a:lnRef>
-        <a:fillRef idx="1">
-          <a:scrgbClr r="0" g="0" b="0"/>
-        </a:fillRef>
-        <a:effectRef idx="2">
-          <a:scrgbClr r="0" g="0" b="0"/>
-        </a:effectRef>
-        <a:fontRef idx="minor"/>
-      </dsp:style>
-      <dsp:txBody>
-        <a:bodyPr spcFirstLastPara="0" vert="horz" wrap="square" lIns="247650" tIns="123825" rIns="247650" bIns="123825" numCol="1" spcCol="1270" anchor="ctr" anchorCtr="0">
-          <a:noAutofit/>
-        </a:bodyPr>
-        <a:lstStyle/>
-        <a:p>
-          <a:pPr marL="285750" lvl="1" indent="-285750" algn="l" defTabSz="1422400">
-            <a:lnSpc>
-              <a:spcPct val="90000"/>
-            </a:lnSpc>
-            <a:spcBef>
-              <a:spcPct val="0"/>
-            </a:spcBef>
-            <a:spcAft>
-              <a:spcPct val="15000"/>
-            </a:spcAft>
-            <a:buChar char="••"/>
-          </a:pPr>
-          <a:r>
-            <a:rPr lang="en-US" sz="3200" kern="1200" dirty="0" smtClean="0">
-              <a:effectLst>
-                <a:outerShdw blurRad="38100" dist="38100" dir="2700000" algn="tl">
-                  <a:srgbClr val="000000">
-                    <a:alpha val="43137"/>
-                  </a:srgbClr>
-                </a:outerShdw>
-              </a:effectLst>
-            </a:rPr>
-            <a:t>Explore your new environment</a:t>
-          </a:r>
-          <a:endParaRPr lang="en-US" sz="3200" kern="1200" dirty="0">
-            <a:effectLst>
-              <a:outerShdw blurRad="38100" dist="38100" dir="2700000" algn="tl">
-                <a:srgbClr val="000000">
-                  <a:alpha val="43137"/>
-                </a:srgbClr>
-              </a:outerShdw>
-            </a:effectLst>
-          </a:endParaRPr>
-        </a:p>
-      </dsp:txBody>
-      <dsp:txXfrm rot="-5400000">
-        <a:off x="1085603" y="1508125"/>
-        <a:ext cx="5010287" cy="1047750"/>
-      </dsp:txXfrm>
-    </dsp:sp>
-    <dsp:sp modelId="{C04276DC-EE64-470A-B8BC-09067B8045FA}">
-      <dsp:nvSpPr>
-        <dsp:cNvPr id="0" name=""/>
-        <dsp:cNvSpPr/>
-      </dsp:nvSpPr>
-      <dsp:spPr>
-        <a:xfrm>
-          <a:off x="109" y="1377156"/>
-          <a:ext cx="1085492" cy="1309687"/>
-        </a:xfrm>
-        <a:prstGeom prst="roundRect">
-          <a:avLst/>
-        </a:prstGeom>
-        <a:gradFill rotWithShape="0">
-          <a:gsLst>
-            <a:gs pos="0">
-              <a:schemeClr val="accent3">
-                <a:hueOff val="5625132"/>
-                <a:satOff val="-8440"/>
-                <a:lumOff val="-1373"/>
-                <a:alphaOff val="0"/>
-                <a:shade val="51000"/>
-                <a:satMod val="130000"/>
-              </a:schemeClr>
-            </a:gs>
-            <a:gs pos="80000">
-              <a:schemeClr val="accent3">
-                <a:hueOff val="5625132"/>
-                <a:satOff val="-8440"/>
-                <a:lumOff val="-1373"/>
-                <a:alphaOff val="0"/>
-                <a:shade val="93000"/>
-                <a:satMod val="130000"/>
-              </a:schemeClr>
-            </a:gs>
-            <a:gs pos="100000">
-              <a:schemeClr val="accent3">
-                <a:hueOff val="5625132"/>
-                <a:satOff val="-8440"/>
-                <a:lumOff val="-1373"/>
-                <a:alphaOff val="0"/>
-                <a:shade val="94000"/>
-                <a:satMod val="135000"/>
-              </a:schemeClr>
-            </a:gs>
-          </a:gsLst>
-          <a:lin ang="16200000" scaled="0"/>
-        </a:gradFill>
-        <a:ln>
-          <a:noFill/>
-        </a:ln>
-        <a:effectLst>
-          <a:outerShdw blurRad="40000" dist="23000" dir="5400000" rotWithShape="0">
-            <a:srgbClr val="000000">
-              <a:alpha val="35000"/>
-            </a:srgbClr>
-          </a:outerShdw>
-        </a:effectLst>
-        <a:scene3d>
-          <a:camera prst="orthographicFront">
-            <a:rot lat="0" lon="0" rev="0"/>
-          </a:camera>
-          <a:lightRig rig="threePt" dir="t">
-            <a:rot lat="0" lon="0" rev="1200000"/>
-          </a:lightRig>
-        </a:scene3d>
-        <a:sp3d>
-          <a:bevelT w="63500" h="25400"/>
-        </a:sp3d>
-      </dsp:spPr>
-      <dsp:style>
-        <a:lnRef idx="0">
-          <a:scrgbClr r="0" g="0" b="0"/>
-        </a:lnRef>
-        <a:fillRef idx="3">
-          <a:scrgbClr r="0" g="0" b="0"/>
-        </a:fillRef>
-        <a:effectRef idx="3">
-          <a:scrgbClr r="0" g="0" b="0"/>
-        </a:effectRef>
-        <a:fontRef idx="minor">
-          <a:schemeClr val="lt1"/>
-        </a:fontRef>
-      </dsp:style>
-      <dsp:txBody>
-        <a:bodyPr spcFirstLastPara="0" vert="horz" wrap="square" lIns="167640" tIns="83820" rIns="167640" bIns="83820" numCol="1" spcCol="1270" anchor="ctr" anchorCtr="0">
-          <a:noAutofit/>
-        </a:bodyPr>
-        <a:lstStyle/>
-        <a:p>
-          <a:pPr lvl="0" algn="ctr" defTabSz="1955800">
-            <a:lnSpc>
-              <a:spcPct val="90000"/>
-            </a:lnSpc>
-            <a:spcBef>
-              <a:spcPct val="0"/>
-            </a:spcBef>
-            <a:spcAft>
-              <a:spcPct val="35000"/>
-            </a:spcAft>
-          </a:pPr>
-          <a:r>
-            <a:rPr lang="en-US" sz="4400" kern="1200" smtClean="0"/>
-            <a:t>2</a:t>
-          </a:r>
-          <a:endParaRPr lang="en-US" sz="4400" kern="1200" dirty="0"/>
-        </a:p>
-      </dsp:txBody>
-      <dsp:txXfrm>
-        <a:off x="53098" y="1430145"/>
-        <a:ext cx="979514" cy="1203709"/>
-      </dsp:txXfrm>
-    </dsp:sp>
-    <dsp:sp modelId="{C7C3E6FD-D83F-4BDA-907E-B5EE041DA931}">
-      <dsp:nvSpPr>
-        <dsp:cNvPr id="0" name=""/>
-        <dsp:cNvSpPr/>
-      </dsp:nvSpPr>
-      <dsp:spPr>
-        <a:xfrm rot="5400000">
-          <a:off x="3066871" y="902028"/>
-          <a:ext cx="1047750" cy="5010287"/>
-        </a:xfrm>
-        <a:prstGeom prst="rect">
-          <a:avLst/>
-        </a:prstGeom>
-        <a:solidFill>
-          <a:schemeClr val="accent3">
-            <a:tint val="40000"/>
-            <a:alpha val="90000"/>
-            <a:hueOff val="10716850"/>
-            <a:satOff val="-13793"/>
-            <a:lumOff val="-1075"/>
-            <a:alphaOff val="0"/>
-          </a:schemeClr>
-        </a:solidFill>
-        <a:ln w="9525" cap="flat" cmpd="sng" algn="ctr">
-          <a:solidFill>
-            <a:schemeClr val="accent3">
-              <a:tint val="40000"/>
-              <a:alpha val="90000"/>
-              <a:hueOff val="10716850"/>
-              <a:satOff val="-13793"/>
-              <a:lumOff val="-1075"/>
-              <a:alphaOff val="0"/>
-            </a:schemeClr>
-          </a:solidFill>
-          <a:prstDash val="solid"/>
-        </a:ln>
-        <a:effectLst>
-          <a:outerShdw blurRad="40000" dist="23000" dir="5400000" rotWithShape="0">
-            <a:srgbClr val="000000">
-              <a:alpha val="35000"/>
-            </a:srgbClr>
-          </a:outerShdw>
-        </a:effectLst>
-      </dsp:spPr>
-      <dsp:style>
-        <a:lnRef idx="1">
-          <a:scrgbClr r="0" g="0" b="0"/>
-        </a:lnRef>
-        <a:fillRef idx="1">
-          <a:scrgbClr r="0" g="0" b="0"/>
-        </a:fillRef>
-        <a:effectRef idx="2">
-          <a:scrgbClr r="0" g="0" b="0"/>
-        </a:effectRef>
-        <a:fontRef idx="minor"/>
-      </dsp:style>
-      <dsp:txBody>
-        <a:bodyPr spcFirstLastPara="0" vert="horz" wrap="square" lIns="247650" tIns="123825" rIns="247650" bIns="123825" numCol="1" spcCol="1270" anchor="ctr" anchorCtr="0">
-          <a:noAutofit/>
-        </a:bodyPr>
-        <a:lstStyle/>
-        <a:p>
-          <a:pPr marL="285750" lvl="1" indent="-285750" algn="l" defTabSz="1422400">
-            <a:lnSpc>
-              <a:spcPct val="90000"/>
-            </a:lnSpc>
-            <a:spcBef>
-              <a:spcPct val="0"/>
-            </a:spcBef>
-            <a:spcAft>
-              <a:spcPct val="15000"/>
-            </a:spcAft>
-            <a:buChar char="••"/>
-          </a:pPr>
-          <a:r>
-            <a:rPr lang="en-US" sz="3200" kern="1200" dirty="0" smtClean="0">
-              <a:effectLst>
-                <a:outerShdw blurRad="38100" dist="38100" dir="2700000" algn="tl">
-                  <a:srgbClr val="000000">
-                    <a:alpha val="43137"/>
-                  </a:srgbClr>
-                </a:outerShdw>
-              </a:effectLst>
-            </a:rPr>
-            <a:t>Meet your new colleagues</a:t>
-          </a:r>
-          <a:endParaRPr lang="en-US" sz="3200" kern="1200" dirty="0">
-            <a:effectLst>
-              <a:outerShdw blurRad="38100" dist="38100" dir="2700000" algn="tl">
-                <a:srgbClr val="000000">
-                  <a:alpha val="43137"/>
-                </a:srgbClr>
-              </a:outerShdw>
-            </a:effectLst>
-          </a:endParaRPr>
-        </a:p>
-      </dsp:txBody>
-      <dsp:txXfrm rot="-5400000">
-        <a:off x="1085603" y="2883296"/>
-        <a:ext cx="5010287" cy="1047750"/>
-      </dsp:txXfrm>
-    </dsp:sp>
-    <dsp:sp modelId="{F5034101-5B7D-4FE7-B47A-5A48CF39606B}">
-      <dsp:nvSpPr>
-        <dsp:cNvPr id="0" name=""/>
-        <dsp:cNvSpPr/>
-      </dsp:nvSpPr>
-      <dsp:spPr>
-        <a:xfrm>
-          <a:off x="109" y="2752328"/>
-          <a:ext cx="1085492" cy="1309687"/>
-        </a:xfrm>
-        <a:prstGeom prst="roundRect">
-          <a:avLst/>
-        </a:prstGeom>
-        <a:gradFill rotWithShape="0">
-          <a:gsLst>
-            <a:gs pos="0">
-              <a:schemeClr val="accent3">
-                <a:hueOff val="11250264"/>
-                <a:satOff val="-16880"/>
-                <a:lumOff val="-2745"/>
-                <a:alphaOff val="0"/>
-                <a:shade val="51000"/>
-                <a:satMod val="130000"/>
-              </a:schemeClr>
-            </a:gs>
-            <a:gs pos="80000">
-              <a:schemeClr val="accent3">
-                <a:hueOff val="11250264"/>
-                <a:satOff val="-16880"/>
-                <a:lumOff val="-2745"/>
-                <a:alphaOff val="0"/>
-                <a:shade val="93000"/>
-                <a:satMod val="130000"/>
-              </a:schemeClr>
-            </a:gs>
-            <a:gs pos="100000">
-              <a:schemeClr val="accent3">
-                <a:hueOff val="11250264"/>
-                <a:satOff val="-16880"/>
-                <a:lumOff val="-2745"/>
-                <a:alphaOff val="0"/>
-                <a:shade val="94000"/>
-                <a:satMod val="135000"/>
-              </a:schemeClr>
-            </a:gs>
-          </a:gsLst>
-          <a:lin ang="16200000" scaled="0"/>
-        </a:gradFill>
-        <a:ln>
-          <a:noFill/>
-        </a:ln>
-        <a:effectLst>
-          <a:outerShdw blurRad="40000" dist="23000" dir="5400000" rotWithShape="0">
-            <a:srgbClr val="000000">
-              <a:alpha val="35000"/>
-            </a:srgbClr>
-          </a:outerShdw>
-        </a:effectLst>
-        <a:scene3d>
-          <a:camera prst="orthographicFront">
-            <a:rot lat="0" lon="0" rev="0"/>
-          </a:camera>
-          <a:lightRig rig="threePt" dir="t">
-            <a:rot lat="0" lon="0" rev="1200000"/>
-          </a:lightRig>
-        </a:scene3d>
-        <a:sp3d>
-          <a:bevelT w="63500" h="25400"/>
-        </a:sp3d>
-      </dsp:spPr>
-      <dsp:style>
-        <a:lnRef idx="0">
-          <a:scrgbClr r="0" g="0" b="0"/>
-        </a:lnRef>
-        <a:fillRef idx="3">
-          <a:scrgbClr r="0" g="0" b="0"/>
-        </a:fillRef>
-        <a:effectRef idx="3">
-          <a:scrgbClr r="0" g="0" b="0"/>
-        </a:effectRef>
-        <a:fontRef idx="minor">
-          <a:schemeClr val="lt1"/>
-        </a:fontRef>
-      </dsp:style>
-      <dsp:txBody>
-        <a:bodyPr spcFirstLastPara="0" vert="horz" wrap="square" lIns="167640" tIns="83820" rIns="167640" bIns="83820" numCol="1" spcCol="1270" anchor="ctr" anchorCtr="0">
-          <a:noAutofit/>
-        </a:bodyPr>
-        <a:lstStyle/>
-        <a:p>
-          <a:pPr lvl="0" algn="ctr" defTabSz="1955800">
-            <a:lnSpc>
-              <a:spcPct val="90000"/>
-            </a:lnSpc>
-            <a:spcBef>
-              <a:spcPct val="0"/>
-            </a:spcBef>
-            <a:spcAft>
-              <a:spcPct val="35000"/>
-            </a:spcAft>
-          </a:pPr>
-          <a:r>
-            <a:rPr lang="en-US" sz="4400" kern="1200" smtClean="0"/>
-            <a:t>3</a:t>
-          </a:r>
-          <a:endParaRPr lang="en-US" sz="4400" kern="1200" dirty="0"/>
-        </a:p>
-      </dsp:txBody>
-      <dsp:txXfrm>
-        <a:off x="53098" y="2805317"/>
-        <a:ext cx="979514" cy="1203709"/>
-      </dsp:txXfrm>
-    </dsp:sp>
-  </dsp:spTree>
-</dsp:drawing>
-</file>
-
-<file path=ppt/diagrams/layout1.xml><?xml version="1.0" encoding="utf-8"?>
-<dgm:layoutDef xmlns:dgm="http://schemas.openxmlformats.org/drawingml/2006/diagram" xmlns:a="http://schemas.openxmlformats.org/drawingml/2006/main" uniqueId="urn:microsoft.com/office/officeart/2005/8/layout/vList5">
-  <dgm:title val=""/>
-  <dgm:desc val=""/>
-  <dgm:catLst>
-    <dgm:cat type="list" pri="15000"/>
-    <dgm:cat type="convert" pri="2000"/>
-  </dgm:catLst>
-  <dgm:sampData>
-    <dgm:dataModel>
-      <dgm:ptLst>
-        <dgm:pt modelId="0" type="doc"/>
-        <dgm:pt modelId="1">
-          <dgm:prSet phldr="1"/>
-        </dgm:pt>
-        <dgm:pt modelId="11">
-          <dgm:prSet phldr="1"/>
-        </dgm:pt>
-        <dgm:pt modelId="12">
-          <dgm:prSet phldr="1"/>
-        </dgm:pt>
-        <dgm:pt modelId="2">
-          <dgm:prSet phldr="1"/>
-        </dgm:pt>
-        <dgm:pt modelId="21">
-          <dgm:prSet phldr="1"/>
-        </dgm:pt>
-        <dgm:pt modelId="22">
-          <dgm:prSet phldr="1"/>
-        </dgm:pt>
-        <dgm:pt modelId="3">
-          <dgm:prSet phldr="1"/>
-        </dgm:pt>
-        <dgm:pt modelId="31">
-          <dgm:prSet phldr="1"/>
-        </dgm:pt>
-        <dgm:pt modelId="32">
-          <dgm:prSet phldr="1"/>
-        </dgm:pt>
-      </dgm:ptLst>
-      <dgm:cxnLst>
-        <dgm:cxn modelId="4" srcId="0" destId="1" srcOrd="0" destOrd="0"/>
-        <dgm:cxn modelId="5" srcId="0" destId="2" srcOrd="1" destOrd="0"/>
-        <dgm:cxn modelId="6" srcId="0" destId="3" srcOrd="2" destOrd="0"/>
-        <dgm:cxn modelId="13" srcId="1" destId="11" srcOrd="0" destOrd="0"/>
-        <dgm:cxn modelId="14" srcId="1" destId="12" srcOrd="1" destOrd="0"/>
-        <dgm:cxn modelId="23" srcId="2" destId="21" srcOrd="0" destOrd="0"/>
-        <dgm:cxn modelId="24" srcId="2" destId="22" srcOrd="1" destOrd="0"/>
-        <dgm:cxn modelId="33" srcId="3" destId="31" srcOrd="0" destOrd="0"/>
-        <dgm:cxn modelId="34" srcId="3" destId="32" srcOrd="1" destOrd="0"/>
-      </dgm:cxnLst>
-      <dgm:bg/>
-      <dgm:whole/>
-    </dgm:dataModel>
-  </dgm:sampData>
-  <dgm:styleData>
-    <dgm:dataModel>
-      <dgm:ptLst>
-        <dgm:pt modelId="0" type="doc"/>
-        <dgm:pt modelId="1"/>
-        <dgm:pt modelId="11"/>
-        <dgm:pt modelId="2"/>
-        <dgm:pt modelId="21"/>
-      </dgm:ptLst>
-      <dgm:cxnLst>
-        <dgm:cxn modelId="4" srcId="0" destId="1" srcOrd="0" destOrd="0"/>
-        <dgm:cxn modelId="5" srcId="0" destId="2" srcOrd="1" destOrd="0"/>
-        <dgm:cxn modelId="13" srcId="1" destId="11" srcOrd="0" destOrd="0"/>
-        <dgm:cxn modelId="23" srcId="2" destId="21" srcOrd="0" destOrd="0"/>
-      </dgm:cxnLst>
-      <dgm:bg/>
-      <dgm:whole/>
-    </dgm:dataModel>
-  </dgm:styleData>
-  <dgm:clrData>
-    <dgm:dataModel>
-      <dgm:ptLst>
-        <dgm:pt modelId="0" type="doc"/>
-        <dgm:pt modelId="1"/>
-        <dgm:pt modelId="11"/>
-        <dgm:pt modelId="2"/>
-        <dgm:pt modelId="21"/>
-        <dgm:pt modelId="3"/>
-        <dgm:pt modelId="31"/>
-        <dgm:pt modelId="4"/>
-        <dgm:pt modelId="41"/>
-      </dgm:ptLst>
-      <dgm:cxnLst>
-        <dgm:cxn modelId="5" srcId="0" destId="1" srcOrd="0" destOrd="0"/>
-        <dgm:cxn modelId="6" srcId="0" destId="2" srcOrd="1" destOrd="0"/>
-        <dgm:cxn modelId="7" srcId="0" destId="3" srcOrd="2" destOrd="0"/>
-        <dgm:cxn modelId="8" srcId="0" destId="4" srcOrd="3" destOrd="0"/>
-        <dgm:cxn modelId="13" srcId="1" destId="11" srcOrd="0" destOrd="0"/>
-        <dgm:cxn modelId="23" srcId="2" destId="21" srcOrd="0" destOrd="0"/>
-        <dgm:cxn modelId="33" srcId="3" destId="31" srcOrd="0" destOrd="0"/>
-        <dgm:cxn modelId="43" srcId="4" destId="41" srcOrd="0" destOrd="0"/>
-      </dgm:cxnLst>
-      <dgm:bg/>
-      <dgm:whole/>
-    </dgm:dataModel>
-  </dgm:clrData>
-  <dgm:layoutNode name="Name0">
-    <dgm:varLst>
-      <dgm:dir/>
-      <dgm:animLvl val="lvl"/>
-      <dgm:resizeHandles val="exact"/>
-    </dgm:varLst>
-    <dgm:choose name="Name1">
-      <dgm:if name="Name2" func="var" arg="dir" op="equ" val="norm">
-        <dgm:alg type="lin">
-          <dgm:param type="linDir" val="fromT"/>
-          <dgm:param type="nodeHorzAlign" val="l"/>
-        </dgm:alg>
-      </dgm:if>
-      <dgm:else name="Name3">
-        <dgm:alg type="lin">
-          <dgm:param type="linDir" val="fromT"/>
-          <dgm:param type="nodeHorzAlign" val="r"/>
-        </dgm:alg>
-      </dgm:else>
-    </dgm:choose>
-    <dgm:shape xmlns:r="http://schemas.openxmlformats.org/officeDocument/2006/relationships" r:blip="">
-      <dgm:adjLst/>
-    </dgm:shape>
-    <dgm:presOf/>
-    <dgm:constrLst>
-      <dgm:constr type="h" for="ch" forName="linNode" refType="h"/>
-      <dgm:constr type="w" for="ch" forName="linNode" refType="w"/>
-      <dgm:constr type="h" for="ch" forName="sp" refType="h" fact="0.05"/>
-      <dgm:constr type="primFontSz" for="des" forName="parentText" op="equ" val="65"/>
-      <dgm:constr type="secFontSz" for="des" forName="descendantText" op="equ"/>
-    </dgm:constrLst>
-    <dgm:ruleLst/>
-    <dgm:forEach name="Name4" axis="ch" ptType="node">
-      <dgm:layoutNode name="linNode">
-        <dgm:choose name="Name5">
-          <dgm:if name="Name6" func="var" arg="dir" op="equ" val="norm">
-            <dgm:alg type="lin">
-              <dgm:param type="linDir" val="fromL"/>
-            </dgm:alg>
-          </dgm:if>
-          <dgm:else name="Name7">
-            <dgm:alg type="lin">
-              <dgm:param type="linDir" val="fromR"/>
-            </dgm:alg>
-          </dgm:else>
-        </dgm:choose>
-        <dgm:shape xmlns:r="http://schemas.openxmlformats.org/officeDocument/2006/relationships" r:blip="">
-          <dgm:adjLst/>
-        </dgm:shape>
-        <dgm:presOf/>
-        <dgm:constrLst>
-          <dgm:constr type="w" for="ch" forName="parentText" refType="w" fact="0.36"/>
-          <dgm:constr type="w" for="ch" forName="descendantText" refType="w" fact="0.64"/>
-          <dgm:constr type="h" for="ch" forName="parentText" refType="h"/>
-          <dgm:constr type="h" for="ch" forName="descendantText" refType="h" refFor="ch" refForName="parentText" fact="0.8"/>
-        </dgm:constrLst>
-        <dgm:ruleLst/>
-        <dgm:layoutNode name="parentText">
-          <dgm:varLst>
-            <dgm:chMax val="1"/>
-            <dgm:bulletEnabled val="1"/>
-          </dgm:varLst>
-          <dgm:alg type="tx"/>
-          <dgm:shape xmlns:r="http://schemas.openxmlformats.org/officeDocument/2006/relationships" type="roundRect" r:blip="" zOrderOff="3">
-            <dgm:adjLst/>
-          </dgm:shape>
-          <dgm:presOf axis="self" ptType="node"/>
-          <dgm:constrLst>
-            <dgm:constr type="tMarg" refType="primFontSz" fact="0.15"/>
-            <dgm:constr type="bMarg" refType="primFontSz" fact="0.15"/>
-            <dgm:constr type="lMarg" refType="primFontSz" fact="0.3"/>
-            <dgm:constr type="rMarg" refType="primFontSz" fact="0.3"/>
-          </dgm:constrLst>
-          <dgm:ruleLst>
-            <dgm:rule type="primFontSz" val="5" fact="NaN" max="NaN"/>
-          </dgm:ruleLst>
-        </dgm:layoutNode>
-        <dgm:choose name="Name8">
-          <dgm:if name="Name9" axis="ch" ptType="node" func="cnt" op="gte" val="1">
-            <dgm:layoutNode name="descendantText" styleLbl="alignAccFollowNode1">
-              <dgm:varLst>
-                <dgm:bulletEnabled val="1"/>
-              </dgm:varLst>
-              <dgm:alg type="tx">
-                <dgm:param type="stBulletLvl" val="1"/>
-                <dgm:param type="txAnchorVertCh" val="mid"/>
-              </dgm:alg>
-              <dgm:choose name="Name10">
-                <dgm:if name="Name11" func="var" arg="dir" op="equ" val="norm">
-                  <dgm:shape xmlns:r="http://schemas.openxmlformats.org/officeDocument/2006/relationships" rot="90" type="round2SameRect" r:blip="">
-                    <dgm:adjLst/>
-                  </dgm:shape>
-                </dgm:if>
-                <dgm:else name="Name12">
-                  <dgm:shape xmlns:r="http://schemas.openxmlformats.org/officeDocument/2006/relationships" rot="-90" type="round2SameRect" r:blip="">
-                    <dgm:adjLst/>
-                  </dgm:shape>
-                </dgm:else>
-              </dgm:choose>
-              <dgm:presOf axis="des" ptType="node"/>
-              <dgm:constrLst>
-                <dgm:constr type="secFontSz" val="65"/>
-                <dgm:constr type="primFontSz" refType="secFontSz"/>
-                <dgm:constr type="lMarg" refType="secFontSz" fact="0.3"/>
-                <dgm:constr type="rMarg" refType="secFontSz" fact="0.3"/>
-                <dgm:constr type="tMarg" refType="secFontSz" fact="0.15"/>
-                <dgm:constr type="bMarg" refType="secFontSz" fact="0.15"/>
-              </dgm:constrLst>
-              <dgm:ruleLst>
-                <dgm:rule type="secFontSz" val="5" fact="NaN" max="NaN"/>
-              </dgm:ruleLst>
-            </dgm:layoutNode>
-          </dgm:if>
-          <dgm:else name="Name13"/>
-        </dgm:choose>
-      </dgm:layoutNode>
-      <dgm:forEach name="Name14" axis="followSib" ptType="sibTrans" cnt="1">
-        <dgm:layoutNode name="sp">
-          <dgm:alg type="sp"/>
-          <dgm:shape xmlns:r="http://schemas.openxmlformats.org/officeDocument/2006/relationships" r:blip="">
-            <dgm:adjLst/>
-          </dgm:shape>
-          <dgm:presOf/>
-          <dgm:constrLst/>
-          <dgm:ruleLst/>
-        </dgm:layoutNode>
-      </dgm:forEach>
-    </dgm:forEach>
-  </dgm:layoutNode>
-</dgm:layoutDef>
-</file>
-
-<file path=ppt/diagrams/quickStyle1.xml><?xml version="1.0" encoding="utf-8"?>
-<dgm:styleDef xmlns:dgm="http://schemas.openxmlformats.org/drawingml/2006/diagram" xmlns:a="http://schemas.openxmlformats.org/drawingml/2006/main" uniqueId="urn:microsoft.com/office/officeart/2005/8/quickstyle/simple5">
-  <dgm:title val=""/>
-  <dgm:desc val=""/>
-  <dgm:catLst>
-    <dgm:cat type="simple" pri="10500"/>
-  </dgm:catLst>
-  <dgm:scene3d>
-    <a:camera prst="orthographicFront"/>
-    <a:lightRig rig="threePt" dir="t"/>
-  </dgm:scene3d>
-  <dgm:styleLbl name="node0">
-    <dgm:scene3d>
-      <a:camera prst="orthographicFront"/>
-      <a:lightRig rig="threePt" dir="t"/>
-    </dgm:scene3d>
-    <dgm:sp3d/>
-    <dgm:txPr/>
-    <dgm:style>
-      <a:lnRef idx="0">
-        <a:scrgbClr r="0" g="0" b="0"/>
-      </a:lnRef>
-      <a:fillRef idx="3">
-        <a:scrgbClr r="0" g="0" b="0"/>
-      </a:fillRef>
-      <a:effectRef idx="3">
-        <a:scrgbClr r="0" g="0" b="0"/>
-      </a:effectRef>
-      <a:fontRef idx="minor">
-        <a:schemeClr val="lt1"/>
-      </a:fontRef>
-    </dgm:style>
-  </dgm:styleLbl>
-  <dgm:styleLbl name="lnNode1">
-    <dgm:scene3d>
-      <a:camera prst="orthographicFront"/>
-      <a:lightRig rig="threePt" dir="t"/>
-    </dgm:scene3d>
-    <dgm:sp3d/>
-    <dgm:txPr/>
-    <dgm:style>
-      <a:lnRef idx="0">
-        <a:scrgbClr r="0" g="0" b="0"/>
-      </a:lnRef>
-      <a:fillRef idx="3">
-        <a:scrgbClr r="0" g="0" b="0"/>
-      </a:fillRef>
-      <a:effectRef idx="3">
-        <a:scrgbClr r="0" g="0" b="0"/>
-      </a:effectRef>
-      <a:fontRef idx="minor">
-        <a:schemeClr val="lt1"/>
-      </a:fontRef>
-    </dgm:style>
-  </dgm:styleLbl>
-  <dgm:styleLbl name="vennNode1">
-    <dgm:scene3d>
-      <a:camera prst="orthographicFront"/>
-      <a:lightRig rig="threePt" dir="t"/>
-    </dgm:scene3d>
-    <dgm:sp3d/>
-    <dgm:txPr/>
-    <dgm:style>
-      <a:lnRef idx="0">
-        <a:scrgbClr r="0" g="0" b="0"/>
-      </a:lnRef>
-      <a:fillRef idx="3">
-        <a:scrgbClr r="0" g="0" b="0"/>
-      </a:fillRef>
-      <a:effectRef idx="3">
-        <a:scrgbClr r="0" g="0" b="0"/>
-      </a:effectRef>
-      <a:fontRef idx="minor">
-        <a:schemeClr val="tx1"/>
-      </a:fontRef>
-    </dgm:style>
-  </dgm:styleLbl>
-  <dgm:styleLbl name="alignNode1">
-    <dgm:scene3d>
-      <a:camera prst="orthographicFront"/>
-      <a:lightRig rig="threePt" dir="t"/>
-    </dgm:scene3d>
-    <dgm:sp3d/>
-    <dgm:txPr/>
-    <dgm:style>
-      <a:lnRef idx="1">
-        <a:scrgbClr r="0" g="0" b="0"/>
-      </a:lnRef>
-      <a:fillRef idx="3">
-        <a:scrgbClr r="0" g="0" b="0"/>
-      </a:fillRef>
-      <a:effectRef idx="3">
-        <a:scrgbClr r="0" g="0" b="0"/>
-      </a:effectRef>
-      <a:fontRef idx="minor">
-        <a:schemeClr val="lt1"/>
-      </a:fontRef>
-    </dgm:style>
-  </dgm:styleLbl>
-  <dgm:styleLbl name="node1">
-    <dgm:scene3d>
-      <a:camera prst="orthographicFront"/>
-      <a:lightRig rig="threePt" dir="t"/>
-    </dgm:scene3d>
-    <dgm:sp3d/>
-    <dgm:txPr/>
-    <dgm:style>
-      <a:lnRef idx="0">
-        <a:scrgbClr r="0" g="0" b="0"/>
-      </a:lnRef>
-      <a:fillRef idx="3">
-        <a:scrgbClr r="0" g="0" b="0"/>
-      </a:fillRef>
-      <a:effectRef idx="3">
-        <a:scrgbClr r="0" g="0" b="0"/>
-      </a:effectRef>
-      <a:fontRef idx="minor">
-        <a:schemeClr val="lt1"/>
-      </a:fontRef>
-    </dgm:style>
-  </dgm:styleLbl>
-  <dgm:styleLbl name="node2">
-    <dgm:scene3d>
-      <a:camera prst="orthographicFront"/>
-      <a:lightRig rig="threePt" dir="t"/>
-    </dgm:scene3d>
-    <dgm:sp3d/>
-    <dgm:txPr/>
-    <dgm:style>
-      <a:lnRef idx="0">
-        <a:scrgbClr r="0" g="0" b="0"/>
-      </a:lnRef>
-      <a:fillRef idx="3">
-        <a:scrgbClr r="0" g="0" b="0"/>
-      </a:fillRef>
-      <a:effectRef idx="3">
-        <a:scrgbClr r="0" g="0" b="0"/>
-      </a:effectRef>
-      <a:fontRef idx="minor">
-        <a:schemeClr val="lt1"/>
-      </a:fontRef>
-    </dgm:style>
-  </dgm:styleLbl>
-  <dgm:styleLbl name="node3">
-    <dgm:scene3d>
-      <a:camera prst="orthographicFront"/>
-      <a:lightRig rig="threePt" dir="t"/>
-    </dgm:scene3d>
-    <dgm:sp3d/>
-    <dgm:txPr/>
-    <dgm:style>
-      <a:lnRef idx="0">
-        <a:scrgbClr r="0" g="0" b="0"/>
-      </a:lnRef>
-      <a:fillRef idx="3">
-        <a:scrgbClr r="0" g="0" b="0"/>
-      </a:fillRef>
-      <a:effectRef idx="3">
-        <a:scrgbClr r="0" g="0" b="0"/>
-      </a:effectRef>
-      <a:fontRef idx="minor">
-        <a:schemeClr val="lt1"/>
-      </a:fontRef>
-    </dgm:style>
-  </dgm:styleLbl>
-  <dgm:styleLbl name="node4">
-    <dgm:scene3d>
-      <a:camera prst="orthographicFront"/>
-      <a:lightRig rig="threePt" dir="t"/>
-    </dgm:scene3d>
-    <dgm:sp3d/>
-    <dgm:txPr/>
-    <dgm:style>
-      <a:lnRef idx="0">
-        <a:scrgbClr r="0" g="0" b="0"/>
-      </a:lnRef>
-      <a:fillRef idx="3">
-        <a:scrgbClr r="0" g="0" b="0"/>
-      </a:fillRef>
-      <a:effectRef idx="3">
-        <a:scrgbClr r="0" g="0" b="0"/>
-      </a:effectRef>
-      <a:fontRef idx="minor">
-        <a:schemeClr val="lt1"/>
-      </a:fontRef>
-    </dgm:style>
-  </dgm:styleLbl>
-  <dgm:styleLbl name="fgImgPlace1">
-    <dgm:scene3d>
-      <a:camera prst="orthographicFront"/>
-      <a:lightRig rig="threePt" dir="t"/>
-    </dgm:scene3d>
-    <dgm:sp3d/>
-    <dgm:txPr/>
-    <dgm:style>
-      <a:lnRef idx="0">
-        <a:scrgbClr r="0" g="0" b="0"/>
-      </a:lnRef>
-      <a:fillRef idx="1">
-        <a:scrgbClr r="0" g="0" b="0"/>
-      </a:fillRef>
-      <a:effectRef idx="3">
-        <a:scrgbClr r="0" g="0" b="0"/>
-      </a:effectRef>
-      <a:fontRef idx="minor"/>
-    </dgm:style>
-  </dgm:styleLbl>
-  <dgm:styleLbl name="alignImgPlace1">
-    <dgm:scene3d>
-      <a:camera prst="orthographicFront"/>
-      <a:lightRig rig="threePt" dir="t"/>
-    </dgm:scene3d>
-    <dgm:sp3d/>
-    <dgm:txPr/>
-    <dgm:style>
-      <a:lnRef idx="0">
-        <a:scrgbClr r="0" g="0" b="0"/>
-      </a:lnRef>
-      <a:fillRef idx="1">
-        <a:scrgbClr r="0" g="0" b="0"/>
-      </a:fillRef>
-      <a:effectRef idx="3">
-        <a:scrgbClr r="0" g="0" b="0"/>
-      </a:effectRef>
-      <a:fontRef idx="minor"/>
-    </dgm:style>
-  </dgm:styleLbl>
-  <dgm:styleLbl name="bgImgPlace1">
-    <dgm:scene3d>
-      <a:camera prst="orthographicFront"/>
-      <a:lightRig rig="threePt" dir="t"/>
-    </dgm:scene3d>
-    <dgm:sp3d/>
-    <dgm:txPr/>
-    <dgm:style>
-      <a:lnRef idx="0">
-        <a:scrgbClr r="0" g="0" b="0"/>
-      </a:lnRef>
-      <a:fillRef idx="1">
-        <a:scrgbClr r="0" g="0" b="0"/>
-      </a:fillRef>
-      <a:effectRef idx="3">
-        <a:scrgbClr r="0" g="0" b="0"/>
-      </a:effectRef>
-      <a:fontRef idx="minor"/>
-    </dgm:style>
-  </dgm:styleLbl>
-  <dgm:styleLbl name="sibTrans2D1">
-    <dgm:scene3d>
-      <a:camera prst="orthographicFront"/>
-      <a:lightRig rig="threePt" dir="t"/>
-    </dgm:scene3d>
-    <dgm:sp3d/>
-    <dgm:txPr/>
-    <dgm:style>
-      <a:lnRef idx="0">
-        <a:scrgbClr r="0" g="0" b="0"/>
-      </a:lnRef>
-      <a:fillRef idx="3">
-        <a:scrgbClr r="0" g="0" b="0"/>
-      </a:fillRef>
-      <a:effectRef idx="3">
-        <a:scrgbClr r="0" g="0" b="0"/>
-      </a:effectRef>
-      <a:fontRef idx="minor">
-        <a:schemeClr val="lt1"/>
-      </a:fontRef>
-    </dgm:style>
-  </dgm:styleLbl>
-  <dgm:styleLbl name="fgSibTrans2D1">
-    <dgm:scene3d>
-      <a:camera prst="orthographicFront"/>
-      <a:lightRig rig="threePt" dir="t"/>
-    </dgm:scene3d>
-    <dgm:sp3d/>
-    <dgm:txPr/>
-    <dgm:style>
-      <a:lnRef idx="0">
-        <a:scrgbClr r="0" g="0" b="0"/>
-      </a:lnRef>
-      <a:fillRef idx="3">
-        <a:scrgbClr r="0" g="0" b="0"/>
-      </a:fillRef>
-      <a:effectRef idx="3">
-        <a:scrgbClr r="0" g="0" b="0"/>
-      </a:effectRef>
-      <a:fontRef idx="minor">
-        <a:schemeClr val="lt1"/>
-      </a:fontRef>
-    </dgm:style>
-  </dgm:styleLbl>
-  <dgm:styleLbl name="bgSibTrans2D1">
-    <dgm:scene3d>
-      <a:camera prst="orthographicFront"/>
-      <a:lightRig rig="threePt" dir="t"/>
-    </dgm:scene3d>
-    <dgm:sp3d/>
-    <dgm:txPr/>
-    <dgm:style>
-      <a:lnRef idx="0">
-        <a:scrgbClr r="0" g="0" b="0"/>
-      </a:lnRef>
-      <a:fillRef idx="3">
-        <a:scrgbClr r="0" g="0" b="0"/>
-      </a:fillRef>
-      <a:effectRef idx="3">
-        <a:scrgbClr r="0" g="0" b="0"/>
-      </a:effectRef>
-      <a:fontRef idx="minor">
-        <a:schemeClr val="lt1"/>
-      </a:fontRef>
-    </dgm:style>
-  </dgm:styleLbl>
-  <dgm:styleLbl name="sibTrans1D1">
-    <dgm:scene3d>
-      <a:camera prst="orthographicFront"/>
-      <a:lightRig rig="threePt" dir="t"/>
-    </dgm:scene3d>
-    <dgm:sp3d/>
-    <dgm:txPr/>
-    <dgm:style>
-      <a:lnRef idx="1">
-        <a:scrgbClr r="0" g="0" b="0"/>
-      </a:lnRef>
-      <a:fillRef idx="0">
-        <a:scrgbClr r="0" g="0" b="0"/>
-      </a:fillRef>
-      <a:effectRef idx="0">
-        <a:scrgbClr r="0" g="0" b="0"/>
-      </a:effectRef>
-      <a:fontRef idx="minor"/>
-    </dgm:style>
-  </dgm:styleLbl>
-  <dgm:styleLbl name="callout">
-    <dgm:scene3d>
-      <a:camera prst="orthographicFront"/>
-      <a:lightRig rig="threePt" dir="t"/>
-    </dgm:scene3d>
-    <dgm:sp3d/>
-    <dgm:txPr/>
-    <dgm:style>
-      <a:lnRef idx="1">
-        <a:scrgbClr r="0" g="0" b="0"/>
-      </a:lnRef>
-      <a:fillRef idx="0">
-        <a:scrgbClr r="0" g="0" b="0"/>
-      </a:fillRef>
-      <a:effectRef idx="1">
-        <a:scrgbClr r="0" g="0" b="0"/>
-      </a:effectRef>
-      <a:fontRef idx="minor"/>
-    </dgm:style>
-  </dgm:styleLbl>
-  <dgm:styleLbl name="asst0">
-    <dgm:scene3d>
-      <a:camera prst="orthographicFront"/>
-      <a:lightRig rig="threePt" dir="t"/>
-    </dgm:scene3d>
-    <dgm:sp3d/>
-    <dgm:txPr/>
-    <dgm:style>
-      <a:lnRef idx="0">
-        <a:scrgbClr r="0" g="0" b="0"/>
-      </a:lnRef>
-      <a:fillRef idx="3">
-        <a:scrgbClr r="0" g="0" b="0"/>
-      </a:fillRef>
-      <a:effectRef idx="3">
-        <a:scrgbClr r="0" g="0" b="0"/>
-      </a:effectRef>
-      <a:fontRef idx="minor">
-        <a:schemeClr val="lt1"/>
-      </a:fontRef>
-    </dgm:style>
-  </dgm:styleLbl>
-  <dgm:styleLbl name="asst1">
-    <dgm:scene3d>
-      <a:camera prst="orthographicFront"/>
-      <a:lightRig rig="threePt" dir="t"/>
-    </dgm:scene3d>
-    <dgm:sp3d/>
-    <dgm:txPr/>
-    <dgm:style>
-      <a:lnRef idx="0">
-        <a:scrgbClr r="0" g="0" b="0"/>
-      </a:lnRef>
-      <a:fillRef idx="3">
-        <a:scrgbClr r="0" g="0" b="0"/>
-      </a:fillRef>
-      <a:effectRef idx="3">
-        <a:scrgbClr r="0" g="0" b="0"/>
-      </a:effectRef>
-      <a:fontRef idx="minor">
-        <a:schemeClr val="lt1"/>
-      </a:fontRef>
-    </dgm:style>
-  </dgm:styleLbl>
-  <dgm:styleLbl name="asst2">
-    <dgm:scene3d>
-      <a:camera prst="orthographicFront"/>
-      <a:lightRig rig="threePt" dir="t"/>
-    </dgm:scene3d>
-    <dgm:sp3d/>
-    <dgm:txPr/>
-    <dgm:style>
-      <a:lnRef idx="0">
-        <a:scrgbClr r="0" g="0" b="0"/>
-      </a:lnRef>
-      <a:fillRef idx="3">
-        <a:scrgbClr r="0" g="0" b="0"/>
-      </a:fillRef>
-      <a:effectRef idx="3">
-        <a:scrgbClr r="0" g="0" b="0"/>
-      </a:effectRef>
-      <a:fontRef idx="minor">
-        <a:schemeClr val="lt1"/>
-      </a:fontRef>
-    </dgm:style>
-  </dgm:styleLbl>
-  <dgm:styleLbl name="asst3">
-    <dgm:scene3d>
-      <a:camera prst="orthographicFront"/>
-      <a:lightRig rig="threePt" dir="t"/>
-    </dgm:scene3d>
-    <dgm:sp3d/>
-    <dgm:txPr/>
-    <dgm:style>
-      <a:lnRef idx="0">
-        <a:scrgbClr r="0" g="0" b="0"/>
-      </a:lnRef>
-      <a:fillRef idx="3">
-        <a:scrgbClr r="0" g="0" b="0"/>
-      </a:fillRef>
-      <a:effectRef idx="3">
-        <a:scrgbClr r="0" g="0" b="0"/>
-      </a:effectRef>
-      <a:fontRef idx="minor">
-        <a:schemeClr val="lt1"/>
-      </a:fontRef>
-    </dgm:style>
-  </dgm:styleLbl>
-  <dgm:styleLbl name="asst4">
-    <dgm:scene3d>
-      <a:camera prst="orthographicFront"/>
-      <a:lightRig rig="threePt" dir="t"/>
-    </dgm:scene3d>
-    <dgm:sp3d/>
-    <dgm:txPr/>
-    <dgm:style>
-      <a:lnRef idx="0">
-        <a:scrgbClr r="0" g="0" b="0"/>
-      </a:lnRef>
-      <a:fillRef idx="3">
-        <a:scrgbClr r="0" g="0" b="0"/>
-      </a:fillRef>
-      <a:effectRef idx="3">
-        <a:scrgbClr r="0" g="0" b="0"/>
-      </a:effectRef>
-      <a:fontRef idx="minor">
-        <a:schemeClr val="lt1"/>
-      </a:fontRef>
-    </dgm:style>
-  </dgm:styleLbl>
-  <dgm:styleLbl name="parChTrans2D1">
-    <dgm:scene3d>
-      <a:camera prst="orthographicFront"/>
-      <a:lightRig rig="threePt" dir="t"/>
-    </dgm:scene3d>
-    <dgm:sp3d/>
-    <dgm:txPr/>
-    <dgm:style>
-      <a:lnRef idx="0">
-        <a:scrgbClr r="0" g="0" b="0"/>
-      </a:lnRef>
-      <a:fillRef idx="3">
-        <a:scrgbClr r="0" g="0" b="0"/>
-      </a:fillRef>
-      <a:effectRef idx="3">
-        <a:scrgbClr r="0" g="0" b="0"/>
-      </a:effectRef>
-      <a:fontRef idx="minor">
-        <a:schemeClr val="lt1"/>
-      </a:fontRef>
-    </dgm:style>
-  </dgm:styleLbl>
-  <dgm:styleLbl name="parChTrans2D2">
-    <dgm:scene3d>
-      <a:camera prst="orthographicFront"/>
-      <a:lightRig rig="threePt" dir="t"/>
-    </dgm:scene3d>
-    <dgm:sp3d/>
-    <dgm:txPr/>
-    <dgm:style>
-      <a:lnRef idx="0">
-        <a:scrgbClr r="0" g="0" b="0"/>
-      </a:lnRef>
-      <a:fillRef idx="3">
-        <a:scrgbClr r="0" g="0" b="0"/>
-      </a:fillRef>
-      <a:effectRef idx="3">
-        <a:scrgbClr r="0" g="0" b="0"/>
-      </a:effectRef>
-      <a:fontRef idx="minor">
-        <a:schemeClr val="lt1"/>
-      </a:fontRef>
-    </dgm:style>
-  </dgm:styleLbl>
-  <dgm:styleLbl name="parChTrans2D3">
-    <dgm:scene3d>
-      <a:camera prst="orthographicFront"/>
-      <a:lightRig rig="threePt" dir="t"/>
-    </dgm:scene3d>
-    <dgm:sp3d/>
-    <dgm:txPr/>
-    <dgm:style>
-      <a:lnRef idx="0">
-        <a:scrgbClr r="0" g="0" b="0"/>
-      </a:lnRef>
-      <a:fillRef idx="3">
-        <a:scrgbClr r="0" g="0" b="0"/>
-      </a:fillRef>
-      <a:effectRef idx="3">
-        <a:scrgbClr r="0" g="0" b="0"/>
-      </a:effectRef>
-      <a:fontRef idx="minor">
-        <a:schemeClr val="lt1"/>
-      </a:fontRef>
-    </dgm:style>
-  </dgm:styleLbl>
-  <dgm:styleLbl name="parChTrans2D4">
-    <dgm:scene3d>
-      <a:camera prst="orthographicFront"/>
-      <a:lightRig rig="threePt" dir="t"/>
-    </dgm:scene3d>
-    <dgm:sp3d/>
-    <dgm:txPr/>
-    <dgm:style>
-      <a:lnRef idx="0">
-        <a:scrgbClr r="0" g="0" b="0"/>
-      </a:lnRef>
-      <a:fillRef idx="3">
-        <a:scrgbClr r="0" g="0" b="0"/>
-      </a:fillRef>
-      <a:effectRef idx="3">
-        <a:scrgbClr r="0" g="0" b="0"/>
-      </a:effectRef>
-      <a:fontRef idx="minor">
-        <a:schemeClr val="lt1"/>
-      </a:fontRef>
-    </dgm:style>
-  </dgm:styleLbl>
-  <dgm:styleLbl name="parChTrans1D1">
-    <dgm:scene3d>
-      <a:camera prst="orthographicFront"/>
-      <a:lightRig rig="threePt" dir="t"/>
-    </dgm:scene3d>
-    <dgm:sp3d/>
-    <dgm:txPr/>
-    <dgm:style>
-      <a:lnRef idx="2">
-        <a:scrgbClr r="0" g="0" b="0"/>
-      </a:lnRef>
-      <a:fillRef idx="0">
-        <a:scrgbClr r="0" g="0" b="0"/>
-      </a:fillRef>
-      <a:effectRef idx="0">
-        <a:scrgbClr r="0" g="0" b="0"/>
-      </a:effectRef>
-      <a:fontRef idx="minor"/>
-    </dgm:style>
-  </dgm:styleLbl>
-  <dgm:styleLbl name="parChTrans1D2">
-    <dgm:scene3d>
-      <a:camera prst="orthographicFront"/>
-      <a:lightRig rig="threePt" dir="t"/>
-    </dgm:scene3d>
-    <dgm:sp3d/>
-    <dgm:txPr/>
-    <dgm:style>
-      <a:lnRef idx="2">
-        <a:scrgbClr r="0" g="0" b="0"/>
-      </a:lnRef>
-      <a:fillRef idx="0">
-        <a:scrgbClr r="0" g="0" b="0"/>
-      </a:fillRef>
-      <a:effectRef idx="0">
-        <a:scrgbClr r="0" g="0" b="0"/>
-      </a:effectRef>
-      <a:fontRef idx="minor"/>
-    </dgm:style>
-  </dgm:styleLbl>
-  <dgm:styleLbl name="parChTrans1D3">
-    <dgm:scene3d>
-      <a:camera prst="orthographicFront"/>
-      <a:lightRig rig="threePt" dir="t"/>
-    </dgm:scene3d>
-    <dgm:sp3d/>
-    <dgm:txPr/>
-    <dgm:style>
-      <a:lnRef idx="2">
-        <a:scrgbClr r="0" g="0" b="0"/>
-      </a:lnRef>
-      <a:fillRef idx="0">
-        <a:scrgbClr r="0" g="0" b="0"/>
-      </a:fillRef>
-      <a:effectRef idx="0">
-        <a:scrgbClr r="0" g="0" b="0"/>
-      </a:effectRef>
-      <a:fontRef idx="minor"/>
-    </dgm:style>
-  </dgm:styleLbl>
-  <dgm:styleLbl name="parChTrans1D4">
-    <dgm:scene3d>
-      <a:camera prst="orthographicFront"/>
-      <a:lightRig rig="threePt" dir="t"/>
-    </dgm:scene3d>
-    <dgm:sp3d/>
-    <dgm:txPr/>
-    <dgm:style>
-      <a:lnRef idx="2">
-        <a:scrgbClr r="0" g="0" b="0"/>
-      </a:lnRef>
-      <a:fillRef idx="0">
-        <a:scrgbClr r="0" g="0" b="0"/>
-      </a:fillRef>
-      <a:effectRef idx="0">
-        <a:scrgbClr r="0" g="0" b="0"/>
-      </a:effectRef>
-      <a:fontRef idx="minor"/>
-    </dgm:style>
-  </dgm:styleLbl>
-  <dgm:styleLbl name="fgAcc1">
-    <dgm:scene3d>
-      <a:camera prst="orthographicFront"/>
-      <a:lightRig rig="threePt" dir="t"/>
-    </dgm:scene3d>
-    <dgm:sp3d/>
-    <dgm:txPr/>
-    <dgm:style>
-      <a:lnRef idx="1">
-        <a:scrgbClr r="0" g="0" b="0"/>
-      </a:lnRef>
-      <a:fillRef idx="1">
-        <a:scrgbClr r="0" g="0" b="0"/>
-      </a:fillRef>
-      <a:effectRef idx="2">
-        <a:scrgbClr r="0" g="0" b="0"/>
-      </a:effectRef>
-      <a:fontRef idx="minor"/>
-    </dgm:style>
-  </dgm:styleLbl>
-  <dgm:styleLbl name="conFgAcc1">
-    <dgm:scene3d>
-      <a:camera prst="orthographicFront"/>
-      <a:lightRig rig="threePt" dir="t"/>
-    </dgm:scene3d>
-    <dgm:sp3d/>
-    <dgm:txPr/>
-    <dgm:style>
-      <a:lnRef idx="1">
-        <a:scrgbClr r="0" g="0" b="0"/>
-      </a:lnRef>
-      <a:fillRef idx="1">
-        <a:scrgbClr r="0" g="0" b="0"/>
-      </a:fillRef>
-      <a:effectRef idx="2">
-        <a:scrgbClr r="0" g="0" b="0"/>
-      </a:effectRef>
-      <a:fontRef idx="minor"/>
-    </dgm:style>
-  </dgm:styleLbl>
-  <dgm:styleLbl name="alignAcc1">
-    <dgm:scene3d>
-      <a:camera prst="orthographicFront"/>
-      <a:lightRig rig="threePt" dir="t"/>
-    </dgm:scene3d>
-    <dgm:sp3d/>
-    <dgm:txPr/>
-    <dgm:style>
-      <a:lnRef idx="1">
-        <a:scrgbClr r="0" g="0" b="0"/>
-      </a:lnRef>
-      <a:fillRef idx="1">
-        <a:scrgbClr r="0" g="0" b="0"/>
-      </a:fillRef>
-      <a:effectRef idx="2">
-        <a:scrgbClr r="0" g="0" b="0"/>
-      </a:effectRef>
-      <a:fontRef idx="minor"/>
-    </dgm:style>
-  </dgm:styleLbl>
-  <dgm:styleLbl name="trAlignAcc1">
-    <dgm:scene3d>
-      <a:camera prst="orthographicFront"/>
-      <a:lightRig rig="threePt" dir="t"/>
-    </dgm:scene3d>
-    <dgm:sp3d/>
-    <dgm:txPr/>
-    <dgm:style>
-      <a:lnRef idx="1">
-        <a:scrgbClr r="0" g="0" b="0"/>
-      </a:lnRef>
-      <a:fillRef idx="1">
-        <a:scrgbClr r="0" g="0" b="0"/>
-      </a:fillRef>
-      <a:effectRef idx="0">
-        <a:scrgbClr r="0" g="0" b="0"/>
-      </a:effectRef>
-      <a:fontRef idx="minor"/>
-    </dgm:style>
-  </dgm:styleLbl>
-  <dgm:styleLbl name="bgAcc1">
-    <dgm:scene3d>
-      <a:camera prst="orthographicFront"/>
-      <a:lightRig rig="threePt" dir="t"/>
-    </dgm:scene3d>
-    <dgm:sp3d/>
-    <dgm:txPr/>
-    <dgm:style>
-      <a:lnRef idx="1">
-        <a:scrgbClr r="0" g="0" b="0"/>
-      </a:lnRef>
-      <a:fillRef idx="1">
-        <a:scrgbClr r="0" g="0" b="0"/>
-      </a:fillRef>
-      <a:effectRef idx="2">
-        <a:scrgbClr r="0" g="0" b="0"/>
-      </a:effectRef>
-      <a:fontRef idx="minor"/>
-    </dgm:style>
-  </dgm:styleLbl>
-  <dgm:styleLbl name="solidFgAcc1">
-    <dgm:scene3d>
-      <a:camera prst="orthographicFront"/>
-      <a:lightRig rig="threePt" dir="t"/>
-    </dgm:scene3d>
-    <dgm:sp3d/>
-    <dgm:txPr/>
-    <dgm:style>
-      <a:lnRef idx="1">
-        <a:scrgbClr r="0" g="0" b="0"/>
-      </a:lnRef>
-      <a:fillRef idx="1">
-        <a:scrgbClr r="0" g="0" b="0"/>
-      </a:fillRef>
-      <a:effectRef idx="2">
-        <a:scrgbClr r="0" g="0" b="0"/>
-      </a:effectRef>
-      <a:fontRef idx="minor"/>
-    </dgm:style>
-  </dgm:styleLbl>
-  <dgm:styleLbl name="solidAlignAcc1">
-    <dgm:scene3d>
-      <a:camera prst="orthographicFront"/>
-      <a:lightRig rig="threePt" dir="t"/>
-    </dgm:scene3d>
-    <dgm:sp3d/>
-    <dgm:txPr/>
-    <dgm:style>
-      <a:lnRef idx="1">
-        <a:scrgbClr r="0" g="0" b="0"/>
-      </a:lnRef>
-      <a:fillRef idx="1">
-        <a:scrgbClr r="0" g="0" b="0"/>
-      </a:fillRef>
-      <a:effectRef idx="3">
-        <a:scrgbClr r="0" g="0" b="0"/>
-      </a:effectRef>
-      <a:fontRef idx="minor"/>
-    </dgm:style>
-  </dgm:styleLbl>
-  <dgm:styleLbl name="solidBgAcc1">
-    <dgm:scene3d>
-      <a:camera prst="orthographicFront"/>
-      <a:lightRig rig="threePt" dir="t"/>
-    </dgm:scene3d>
-    <dgm:sp3d/>
-    <dgm:txPr/>
-    <dgm:style>
-      <a:lnRef idx="1">
-        <a:scrgbClr r="0" g="0" b="0"/>
-      </a:lnRef>
-      <a:fillRef idx="1">
-        <a:scrgbClr r="0" g="0" b="0"/>
-      </a:fillRef>
-      <a:effectRef idx="3">
-        <a:scrgbClr r="0" g="0" b="0"/>
-      </a:effectRef>
-      <a:fontRef idx="minor"/>
-    </dgm:style>
-  </dgm:styleLbl>
-  <dgm:styleLbl name="fgAccFollowNode1">
-    <dgm:scene3d>
-      <a:camera prst="orthographicFront"/>
-      <a:lightRig rig="threePt" dir="t"/>
-    </dgm:scene3d>
-    <dgm:sp3d/>
-    <dgm:txPr/>
-    <dgm:style>
-      <a:lnRef idx="1">
-        <a:scrgbClr r="0" g="0" b="0"/>
-      </a:lnRef>
-      <a:fillRef idx="1">
-        <a:scrgbClr r="0" g="0" b="0"/>
-      </a:fillRef>
-      <a:effectRef idx="2">
-        <a:scrgbClr r="0" g="0" b="0"/>
-      </a:effectRef>
-      <a:fontRef idx="minor"/>
-    </dgm:style>
-  </dgm:styleLbl>
-  <dgm:styleLbl name="alignAccFollowNode1">
-    <dgm:scene3d>
-      <a:camera prst="orthographicFront"/>
-      <a:lightRig rig="threePt" dir="t"/>
-    </dgm:scene3d>
-    <dgm:sp3d/>
-    <dgm:txPr/>
-    <dgm:style>
-      <a:lnRef idx="1">
-        <a:scrgbClr r="0" g="0" b="0"/>
-      </a:lnRef>
-      <a:fillRef idx="1">
-        <a:scrgbClr r="0" g="0" b="0"/>
-      </a:fillRef>
-      <a:effectRef idx="2">
-        <a:scrgbClr r="0" g="0" b="0"/>
-      </a:effectRef>
-      <a:fontRef idx="minor"/>
-    </dgm:style>
-  </dgm:styleLbl>
-  <dgm:styleLbl name="bgAccFollowNode1">
-    <dgm:scene3d>
-      <a:camera prst="orthographicFront"/>
-      <a:lightRig rig="threePt" dir="t"/>
-    </dgm:scene3d>
-    <dgm:sp3d/>
-    <dgm:txPr/>
-    <dgm:style>
-      <a:lnRef idx="1">
-        <a:scrgbClr r="0" g="0" b="0"/>
-      </a:lnRef>
-      <a:fillRef idx="1">
-        <a:scrgbClr r="0" g="0" b="0"/>
-      </a:fillRef>
-      <a:effectRef idx="2">
-        <a:scrgbClr r="0" g="0" b="0"/>
-      </a:effectRef>
-      <a:fontRef idx="minor"/>
-    </dgm:style>
-  </dgm:styleLbl>
-  <dgm:styleLbl name="fgAcc0">
-    <dgm:scene3d>
-      <a:camera prst="orthographicFront"/>
-      <a:lightRig rig="threePt" dir="t"/>
-    </dgm:scene3d>
-    <dgm:sp3d/>
-    <dgm:txPr/>
-    <dgm:style>
-      <a:lnRef idx="1">
-        <a:scrgbClr r="0" g="0" b="0"/>
-      </a:lnRef>
-      <a:fillRef idx="1">
-        <a:scrgbClr r="0" g="0" b="0"/>
-      </a:fillRef>
-      <a:effectRef idx="2">
-        <a:scrgbClr r="0" g="0" b="0"/>
-      </a:effectRef>
-      <a:fontRef idx="minor"/>
-    </dgm:style>
-  </dgm:styleLbl>
-  <dgm:styleLbl name="fgAcc2">
-    <dgm:scene3d>
-      <a:camera prst="orthographicFront"/>
-      <a:lightRig rig="threePt" dir="t"/>
-    </dgm:scene3d>
-    <dgm:sp3d/>
-    <dgm:txPr/>
-    <dgm:style>
-      <a:lnRef idx="1">
-        <a:scrgbClr r="0" g="0" b="0"/>
-      </a:lnRef>
-      <a:fillRef idx="1">
-        <a:scrgbClr r="0" g="0" b="0"/>
-      </a:fillRef>
-      <a:effectRef idx="2">
-        <a:scrgbClr r="0" g="0" b="0"/>
-      </a:effectRef>
-      <a:fontRef idx="minor"/>
-    </dgm:style>
-  </dgm:styleLbl>
-  <dgm:styleLbl name="fgAcc3">
-    <dgm:scene3d>
-      <a:camera prst="orthographicFront"/>
-      <a:lightRig rig="threePt" dir="t"/>
-    </dgm:scene3d>
-    <dgm:sp3d/>
-    <dgm:txPr/>
-    <dgm:style>
-      <a:lnRef idx="1">
-        <a:scrgbClr r="0" g="0" b="0"/>
-      </a:lnRef>
-      <a:fillRef idx="1">
-        <a:scrgbClr r="0" g="0" b="0"/>
-      </a:fillRef>
-      <a:effectRef idx="2">
-        <a:scrgbClr r="0" g="0" b="0"/>
-      </a:effectRef>
-      <a:fontRef idx="minor"/>
-    </dgm:style>
-  </dgm:styleLbl>
-  <dgm:styleLbl name="fgAcc4">
-    <dgm:scene3d>
-      <a:camera prst="orthographicFront"/>
-      <a:lightRig rig="threePt" dir="t"/>
-    </dgm:scene3d>
-    <dgm:sp3d/>
-    <dgm:txPr/>
-    <dgm:style>
-      <a:lnRef idx="1">
-        <a:scrgbClr r="0" g="0" b="0"/>
-      </a:lnRef>
-      <a:fillRef idx="1">
-        <a:scrgbClr r="0" g="0" b="0"/>
-      </a:fillRef>
-      <a:effectRef idx="2">
-        <a:scrgbClr r="0" g="0" b="0"/>
-      </a:effectRef>
-      <a:fontRef idx="minor"/>
-    </dgm:style>
-  </dgm:styleLbl>
-  <dgm:styleLbl name="bgShp">
-    <dgm:scene3d>
-      <a:camera prst="orthographicFront"/>
-      <a:lightRig rig="threePt" dir="t"/>
-    </dgm:scene3d>
-    <dgm:sp3d/>
-    <dgm:txPr/>
-    <dgm:style>
-      <a:lnRef idx="0">
-        <a:scrgbClr r="0" g="0" b="0"/>
-      </a:lnRef>
-      <a:fillRef idx="1">
-        <a:scrgbClr r="0" g="0" b="0"/>
-      </a:fillRef>
-      <a:effectRef idx="2">
-        <a:scrgbClr r="0" g="0" b="0"/>
-      </a:effectRef>
-      <a:fontRef idx="minor"/>
-    </dgm:style>
-  </dgm:styleLbl>
-  <dgm:styleLbl name="dkBgShp">
-    <dgm:scene3d>
-      <a:camera prst="orthographicFront"/>
-      <a:lightRig rig="threePt" dir="t"/>
-    </dgm:scene3d>
-    <dgm:sp3d/>
-    <dgm:txPr/>
-    <dgm:style>
-      <a:lnRef idx="0">
-        <a:scrgbClr r="0" g="0" b="0"/>
-      </a:lnRef>
-      <a:fillRef idx="1">
-        <a:scrgbClr r="0" g="0" b="0"/>
-      </a:fillRef>
-      <a:effectRef idx="3">
-        <a:scrgbClr r="0" g="0" b="0"/>
-      </a:effectRef>
-      <a:fontRef idx="minor"/>
-    </dgm:style>
-  </dgm:styleLbl>
-  <dgm:styleLbl name="trBgShp">
-    <dgm:scene3d>
-      <a:camera prst="orthographicFront"/>
-      <a:lightRig rig="threePt" dir="t"/>
-    </dgm:scene3d>
-    <dgm:sp3d/>
-    <dgm:txPr/>
-    <dgm:style>
-      <a:lnRef idx="0">
-        <a:scrgbClr r="0" g="0" b="0"/>
-      </a:lnRef>
-      <a:fillRef idx="1">
-        <a:scrgbClr r="0" g="0" b="0"/>
-      </a:fillRef>
-      <a:effectRef idx="0">
-        <a:scrgbClr r="0" g="0" b="0"/>
-      </a:effectRef>
-      <a:fontRef idx="minor"/>
-    </dgm:style>
-  </dgm:styleLbl>
-  <dgm:styleLbl name="fgShp">
-    <dgm:scene3d>
-      <a:camera prst="orthographicFront"/>
-      <a:lightRig rig="threePt" dir="t"/>
-    </dgm:scene3d>
-    <dgm:sp3d/>
-    <dgm:txPr/>
-    <dgm:style>
-      <a:lnRef idx="0">
-        <a:scrgbClr r="0" g="0" b="0"/>
-      </a:lnRef>
-      <a:fillRef idx="3">
-        <a:scrgbClr r="0" g="0" b="0"/>
-      </a:fillRef>
-      <a:effectRef idx="3">
-        <a:scrgbClr r="0" g="0" b="0"/>
-      </a:effectRef>
-      <a:fontRef idx="minor"/>
-    </dgm:style>
-  </dgm:styleLbl>
-  <dgm:styleLbl name="revTx">
-    <dgm:scene3d>
-      <a:camera prst="orthographicFront"/>
-      <a:lightRig rig="threePt" dir="t"/>
-    </dgm:scene3d>
-    <dgm:sp3d/>
-    <dgm:txPr/>
-    <dgm:style>
-      <a:lnRef idx="0">
-        <a:scrgbClr r="0" g="0" b="0"/>
-      </a:lnRef>
-      <a:fillRef idx="0">
-        <a:scrgbClr r="0" g="0" b="0"/>
-      </a:fillRef>
-      <a:effectRef idx="0">
-        <a:scrgbClr r="0" g="0" b="0"/>
-      </a:effectRef>
-      <a:fontRef idx="minor"/>
-    </dgm:style>
-  </dgm:styleLbl>
-</dgm:styleDef>
 </file>
 
 <file path=ppt/handoutMasters/handoutMaster1.xml><?xml version="1.0" encoding="utf-8"?>
@@ -4388,101 +1169,6 @@
             <a:endParaRPr lang="en-US"/>
           </a:p>
         </p:txBody>
-      </p:sp>
-    </p:spTree>
-  </p:cSld>
-  <p:clrMapOvr>
-    <a:masterClrMapping/>
-  </p:clrMapOvr>
-</p:notes>
-</file>
-
-<file path=ppt/notesSlides/notesSlide5.xml><?xml version="1.0" encoding="utf-8"?>
-<p:notes xmlns:a="http://schemas.openxmlformats.org/drawingml/2006/main" xmlns:r="http://schemas.openxmlformats.org/officeDocument/2006/relationships" xmlns:p="http://schemas.openxmlformats.org/presentationml/2006/main">
-  <p:cSld>
-    <p:spTree>
-      <p:nvGrpSpPr>
-        <p:cNvPr id="1" name=""/>
-        <p:cNvGrpSpPr/>
-        <p:nvPr/>
-      </p:nvGrpSpPr>
-      <p:grpSpPr>
-        <a:xfrm>
-          <a:off x="0" y="0"/>
-          <a:ext cx="0" cy="0"/>
-          <a:chOff x="0" y="0"/>
-          <a:chExt cx="0" cy="0"/>
-        </a:xfrm>
-      </p:grpSpPr>
-      <p:sp>
-        <p:nvSpPr>
-          <p:cNvPr id="3" name="Notes Placeholder 2"/>
-          <p:cNvSpPr>
-            <a:spLocks noGrp="1"/>
-          </p:cNvSpPr>
-          <p:nvPr>
-            <p:ph type="body" idx="1"/>
-          </p:nvPr>
-        </p:nvSpPr>
-        <p:spPr/>
-        <p:txBody>
-          <a:bodyPr numCol="2" spcCol="182880">
-            <a:noAutofit/>
-          </a:bodyPr>
-          <a:lstStyle/>
-          <a:p>
-            <a:pPr marL="228600" marR="0" indent="-228600" algn="l" defTabSz="914400" rtl="0" eaLnBrk="1" fontAlgn="auto" latinLnBrk="0" hangingPunct="1">
-              <a:lnSpc>
-                <a:spcPct val="100000"/>
-              </a:lnSpc>
-              <a:spcBef>
-                <a:spcPts val="0"/>
-              </a:spcBef>
-              <a:spcAft>
-                <a:spcPts val="0"/>
-              </a:spcAft>
-              <a:buClrTx/>
-              <a:buSzTx/>
-              <a:buFont typeface="+mj-lt"/>
-              <a:buNone/>
-              <a:tabLst/>
-              <a:defRPr/>
-            </a:pPr>
-            <a:r>
-              <a:rPr lang="en-US" sz="1200" dirty="0" smtClean="0"/>
-              <a:t>This is another option</a:t>
-            </a:r>
-            <a:r>
-              <a:rPr lang="en-US" sz="1200" baseline="0" dirty="0" smtClean="0"/>
-              <a:t> for an Overview slide.</a:t>
-            </a:r>
-            <a:endParaRPr lang="en-US" sz="1200" dirty="0" smtClean="0"/>
-          </a:p>
-          <a:p>
-            <a:pPr marL="228600" indent="-228600">
-              <a:buFont typeface="+mj-lt"/>
-              <a:buNone/>
-            </a:pPr>
-            <a:endParaRPr lang="en-US" sz="1200" dirty="0"/>
-          </a:p>
-        </p:txBody>
-      </p:sp>
-      <p:sp>
-        <p:nvSpPr>
-          <p:cNvPr id="5" name="Slide Image Placeholder 4"/>
-          <p:cNvSpPr>
-            <a:spLocks noGrp="1" noRot="1" noChangeAspect="1"/>
-          </p:cNvSpPr>
-          <p:nvPr>
-            <p:ph type="sldImg"/>
-          </p:nvPr>
-        </p:nvSpPr>
-        <p:spPr>
-          <a:xfrm>
-            <a:off x="539750" y="503238"/>
-            <a:ext cx="3143250" cy="2359025"/>
-          </a:xfrm>
-        </p:spPr>
       </p:sp>
     </p:spTree>
   </p:cSld>
@@ -8520,439 +5206,6 @@
         <p:cTn id="1" dur="indefinite" restart="never" nodeType="tmRoot"/>
       </p:par>
     </p:tnLst>
-  </p:timing>
-</p:sld>
-</file>
-
-<file path=ppt/slides/slide5.xml><?xml version="1.0" encoding="utf-8"?>
-<p:sld xmlns:a="http://schemas.openxmlformats.org/drawingml/2006/main" xmlns:r="http://schemas.openxmlformats.org/officeDocument/2006/relationships" xmlns:p="http://schemas.openxmlformats.org/presentationml/2006/main">
-  <p:cSld>
-    <p:spTree>
-      <p:nvGrpSpPr>
-        <p:cNvPr id="1" name=""/>
-        <p:cNvGrpSpPr/>
-        <p:nvPr/>
-      </p:nvGrpSpPr>
-      <p:grpSpPr>
-        <a:xfrm>
-          <a:off x="0" y="0"/>
-          <a:ext cx="0" cy="0"/>
-          <a:chOff x="0" y="0"/>
-          <a:chExt cx="0" cy="0"/>
-        </a:xfrm>
-      </p:grpSpPr>
-      <p:graphicFrame>
-        <p:nvGraphicFramePr>
-          <p:cNvPr id="3" name="Diagram 2"/>
-          <p:cNvGraphicFramePr/>
-          <p:nvPr/>
-        </p:nvGraphicFramePr>
-        <p:xfrm>
-          <a:off x="1828800" y="1752600"/>
-          <a:ext cx="6096000" cy="4064000"/>
-        </p:xfrm>
-        <a:graphic>
-          <a:graphicData uri="http://schemas.openxmlformats.org/drawingml/2006/diagram">
-            <dgm:relIds xmlns:dgm="http://schemas.openxmlformats.org/drawingml/2006/diagram" xmlns:r="http://schemas.openxmlformats.org/officeDocument/2006/relationships" r:dm="rId3" r:lo="rId4" r:qs="rId5" r:cs="rId6"/>
-          </a:graphicData>
-        </a:graphic>
-      </p:graphicFrame>
-      <p:sp>
-        <p:nvSpPr>
-          <p:cNvPr id="2" name="Title 1"/>
-          <p:cNvSpPr>
-            <a:spLocks noGrp="1"/>
-          </p:cNvSpPr>
-          <p:nvPr>
-            <p:ph type="title"/>
-          </p:nvPr>
-        </p:nvSpPr>
-        <p:spPr>
-          <a:xfrm>
-            <a:off x="841248" y="301752"/>
-            <a:ext cx="8077200" cy="1143000"/>
-          </a:xfrm>
-        </p:spPr>
-        <p:txBody>
-          <a:bodyPr/>
-          <a:lstStyle/>
-          <a:p>
-            <a:r>
-              <a:rPr lang="en-US" dirty="0" smtClean="0"/>
-              <a:t>Today’s Overview </a:t>
-            </a:r>
-            <a:endParaRPr lang="en-US" dirty="0"/>
-          </a:p>
-        </p:txBody>
-      </p:sp>
-    </p:spTree>
-  </p:cSld>
-  <p:clrMapOvr>
-    <a:masterClrMapping/>
-  </p:clrMapOvr>
-  <p:transition>
-    <p:fade/>
-  </p:transition>
-  <p:timing>
-    <p:tnLst>
-      <p:par>
-        <p:cTn id="1" dur="indefinite" restart="never" nodeType="tmRoot">
-          <p:childTnLst>
-            <p:seq concurrent="1" nextAc="seek">
-              <p:cTn id="2" dur="indefinite" nodeType="mainSeq">
-                <p:childTnLst>
-                  <p:par>
-                    <p:cTn id="3" fill="hold">
-                      <p:stCondLst>
-                        <p:cond delay="indefinite"/>
-                        <p:cond evt="onBegin" delay="0">
-                          <p:tn val="2"/>
-                        </p:cond>
-                      </p:stCondLst>
-                      <p:childTnLst>
-                        <p:par>
-                          <p:cTn id="4" fill="hold">
-                            <p:stCondLst>
-                              <p:cond delay="0"/>
-                            </p:stCondLst>
-                            <p:childTnLst>
-                              <p:par>
-                                <p:cTn id="5" presetID="22" presetClass="entr" presetSubtype="8" fill="hold" grpId="0" nodeType="afterEffect">
-                                  <p:stCondLst>
-                                    <p:cond delay="0"/>
-                                  </p:stCondLst>
-                                  <p:childTnLst>
-                                    <p:set>
-                                      <p:cBhvr>
-                                        <p:cTn id="6" dur="1" fill="hold">
-                                          <p:stCondLst>
-                                            <p:cond delay="0"/>
-                                          </p:stCondLst>
-                                        </p:cTn>
-                                        <p:tgtEl>
-                                          <p:spTgt spid="3">
-                                            <p:graphicEl>
-                                              <a:dgm id="{7E429971-BC57-430F-BB25-C0574E5E39E3}"/>
-                                            </p:graphicEl>
-                                          </p:spTgt>
-                                        </p:tgtEl>
-                                        <p:attrNameLst>
-                                          <p:attrName>style.visibility</p:attrName>
-                                        </p:attrNameLst>
-                                      </p:cBhvr>
-                                      <p:to>
-                                        <p:strVal val="visible"/>
-                                      </p:to>
-                                    </p:set>
-                                    <p:animEffect transition="in" filter="wipe(left)">
-                                      <p:cBhvr>
-                                        <p:cTn id="7" dur="500"/>
-                                        <p:tgtEl>
-                                          <p:spTgt spid="3">
-                                            <p:graphicEl>
-                                              <a:dgm id="{7E429971-BC57-430F-BB25-C0574E5E39E3}"/>
-                                            </p:graphicEl>
-                                          </p:spTgt>
-                                        </p:tgtEl>
-                                      </p:cBhvr>
-                                    </p:animEffect>
-                                  </p:childTnLst>
-                                </p:cTn>
-                              </p:par>
-                            </p:childTnLst>
-                          </p:cTn>
-                        </p:par>
-                        <p:par>
-                          <p:cTn id="8" fill="hold">
-                            <p:stCondLst>
-                              <p:cond delay="500"/>
-                            </p:stCondLst>
-                            <p:childTnLst>
-                              <p:par>
-                                <p:cTn id="9" presetID="22" presetClass="entr" presetSubtype="8" fill="hold" grpId="0" nodeType="afterEffect">
-                                  <p:stCondLst>
-                                    <p:cond delay="0"/>
-                                  </p:stCondLst>
-                                  <p:childTnLst>
-                                    <p:set>
-                                      <p:cBhvr>
-                                        <p:cTn id="10" dur="1" fill="hold">
-                                          <p:stCondLst>
-                                            <p:cond delay="0"/>
-                                          </p:stCondLst>
-                                        </p:cTn>
-                                        <p:tgtEl>
-                                          <p:spTgt spid="3">
-                                            <p:graphicEl>
-                                              <a:dgm id="{D54B1729-BC98-42C1-9C6C-D65DCBA4358F}"/>
-                                            </p:graphicEl>
-                                          </p:spTgt>
-                                        </p:tgtEl>
-                                        <p:attrNameLst>
-                                          <p:attrName>style.visibility</p:attrName>
-                                        </p:attrNameLst>
-                                      </p:cBhvr>
-                                      <p:to>
-                                        <p:strVal val="visible"/>
-                                      </p:to>
-                                    </p:set>
-                                    <p:animEffect transition="in" filter="wipe(left)">
-                                      <p:cBhvr>
-                                        <p:cTn id="11" dur="500"/>
-                                        <p:tgtEl>
-                                          <p:spTgt spid="3">
-                                            <p:graphicEl>
-                                              <a:dgm id="{D54B1729-BC98-42C1-9C6C-D65DCBA4358F}"/>
-                                            </p:graphicEl>
-                                          </p:spTgt>
-                                        </p:tgtEl>
-                                      </p:cBhvr>
-                                    </p:animEffect>
-                                  </p:childTnLst>
-                                </p:cTn>
-                              </p:par>
-                            </p:childTnLst>
-                          </p:cTn>
-                        </p:par>
-                        <p:par>
-                          <p:cTn id="12" fill="hold">
-                            <p:stCondLst>
-                              <p:cond delay="1000"/>
-                            </p:stCondLst>
-                            <p:childTnLst>
-                              <p:par>
-                                <p:cTn id="13" presetID="22" presetClass="entr" presetSubtype="8" fill="hold" grpId="0" nodeType="afterEffect">
-                                  <p:stCondLst>
-                                    <p:cond delay="0"/>
-                                  </p:stCondLst>
-                                  <p:childTnLst>
-                                    <p:set>
-                                      <p:cBhvr>
-                                        <p:cTn id="14" dur="1" fill="hold">
-                                          <p:stCondLst>
-                                            <p:cond delay="0"/>
-                                          </p:stCondLst>
-                                        </p:cTn>
-                                        <p:tgtEl>
-                                          <p:spTgt spid="3">
-                                            <p:graphicEl>
-                                              <a:dgm id="{C04276DC-EE64-470A-B8BC-09067B8045FA}"/>
-                                            </p:graphicEl>
-                                          </p:spTgt>
-                                        </p:tgtEl>
-                                        <p:attrNameLst>
-                                          <p:attrName>style.visibility</p:attrName>
-                                        </p:attrNameLst>
-                                      </p:cBhvr>
-                                      <p:to>
-                                        <p:strVal val="visible"/>
-                                      </p:to>
-                                    </p:set>
-                                    <p:animEffect transition="in" filter="wipe(left)">
-                                      <p:cBhvr>
-                                        <p:cTn id="15" dur="500"/>
-                                        <p:tgtEl>
-                                          <p:spTgt spid="3">
-                                            <p:graphicEl>
-                                              <a:dgm id="{C04276DC-EE64-470A-B8BC-09067B8045FA}"/>
-                                            </p:graphicEl>
-                                          </p:spTgt>
-                                        </p:tgtEl>
-                                      </p:cBhvr>
-                                    </p:animEffect>
-                                  </p:childTnLst>
-                                </p:cTn>
-                              </p:par>
-                            </p:childTnLst>
-                          </p:cTn>
-                        </p:par>
-                        <p:par>
-                          <p:cTn id="16" fill="hold">
-                            <p:stCondLst>
-                              <p:cond delay="1500"/>
-                            </p:stCondLst>
-                            <p:childTnLst>
-                              <p:par>
-                                <p:cTn id="17" presetID="22" presetClass="entr" presetSubtype="8" fill="hold" grpId="0" nodeType="afterEffect">
-                                  <p:stCondLst>
-                                    <p:cond delay="0"/>
-                                  </p:stCondLst>
-                                  <p:childTnLst>
-                                    <p:set>
-                                      <p:cBhvr>
-                                        <p:cTn id="18" dur="1" fill="hold">
-                                          <p:stCondLst>
-                                            <p:cond delay="0"/>
-                                          </p:stCondLst>
-                                        </p:cTn>
-                                        <p:tgtEl>
-                                          <p:spTgt spid="3">
-                                            <p:graphicEl>
-                                              <a:dgm id="{B37A5355-225B-4C6F-AED7-6C620F99EECC}"/>
-                                            </p:graphicEl>
-                                          </p:spTgt>
-                                        </p:tgtEl>
-                                        <p:attrNameLst>
-                                          <p:attrName>style.visibility</p:attrName>
-                                        </p:attrNameLst>
-                                      </p:cBhvr>
-                                      <p:to>
-                                        <p:strVal val="visible"/>
-                                      </p:to>
-                                    </p:set>
-                                    <p:animEffect transition="in" filter="wipe(left)">
-                                      <p:cBhvr>
-                                        <p:cTn id="19" dur="500"/>
-                                        <p:tgtEl>
-                                          <p:spTgt spid="3">
-                                            <p:graphicEl>
-                                              <a:dgm id="{B37A5355-225B-4C6F-AED7-6C620F99EECC}"/>
-                                            </p:graphicEl>
-                                          </p:spTgt>
-                                        </p:tgtEl>
-                                      </p:cBhvr>
-                                    </p:animEffect>
-                                  </p:childTnLst>
-                                </p:cTn>
-                              </p:par>
-                            </p:childTnLst>
-                          </p:cTn>
-                        </p:par>
-                        <p:par>
-                          <p:cTn id="20" fill="hold">
-                            <p:stCondLst>
-                              <p:cond delay="2000"/>
-                            </p:stCondLst>
-                            <p:childTnLst>
-                              <p:par>
-                                <p:cTn id="21" presetID="22" presetClass="entr" presetSubtype="8" fill="hold" grpId="0" nodeType="afterEffect">
-                                  <p:stCondLst>
-                                    <p:cond delay="0"/>
-                                  </p:stCondLst>
-                                  <p:childTnLst>
-                                    <p:set>
-                                      <p:cBhvr>
-                                        <p:cTn id="22" dur="1" fill="hold">
-                                          <p:stCondLst>
-                                            <p:cond delay="0"/>
-                                          </p:stCondLst>
-                                        </p:cTn>
-                                        <p:tgtEl>
-                                          <p:spTgt spid="3">
-                                            <p:graphicEl>
-                                              <a:dgm id="{F5034101-5B7D-4FE7-B47A-5A48CF39606B}"/>
-                                            </p:graphicEl>
-                                          </p:spTgt>
-                                        </p:tgtEl>
-                                        <p:attrNameLst>
-                                          <p:attrName>style.visibility</p:attrName>
-                                        </p:attrNameLst>
-                                      </p:cBhvr>
-                                      <p:to>
-                                        <p:strVal val="visible"/>
-                                      </p:to>
-                                    </p:set>
-                                    <p:animEffect transition="in" filter="wipe(left)">
-                                      <p:cBhvr>
-                                        <p:cTn id="23" dur="500"/>
-                                        <p:tgtEl>
-                                          <p:spTgt spid="3">
-                                            <p:graphicEl>
-                                              <a:dgm id="{F5034101-5B7D-4FE7-B47A-5A48CF39606B}"/>
-                                            </p:graphicEl>
-                                          </p:spTgt>
-                                        </p:tgtEl>
-                                      </p:cBhvr>
-                                    </p:animEffect>
-                                  </p:childTnLst>
-                                </p:cTn>
-                              </p:par>
-                            </p:childTnLst>
-                          </p:cTn>
-                        </p:par>
-                        <p:par>
-                          <p:cTn id="24" fill="hold">
-                            <p:stCondLst>
-                              <p:cond delay="2500"/>
-                            </p:stCondLst>
-                            <p:childTnLst>
-                              <p:par>
-                                <p:cTn id="25" presetID="22" presetClass="entr" presetSubtype="8" fill="hold" grpId="0" nodeType="afterEffect">
-                                  <p:stCondLst>
-                                    <p:cond delay="0"/>
-                                  </p:stCondLst>
-                                  <p:childTnLst>
-                                    <p:set>
-                                      <p:cBhvr>
-                                        <p:cTn id="26" dur="1" fill="hold">
-                                          <p:stCondLst>
-                                            <p:cond delay="0"/>
-                                          </p:stCondLst>
-                                        </p:cTn>
-                                        <p:tgtEl>
-                                          <p:spTgt spid="3">
-                                            <p:graphicEl>
-                                              <a:dgm id="{C7C3E6FD-D83F-4BDA-907E-B5EE041DA931}"/>
-                                            </p:graphicEl>
-                                          </p:spTgt>
-                                        </p:tgtEl>
-                                        <p:attrNameLst>
-                                          <p:attrName>style.visibility</p:attrName>
-                                        </p:attrNameLst>
-                                      </p:cBhvr>
-                                      <p:to>
-                                        <p:strVal val="visible"/>
-                                      </p:to>
-                                    </p:set>
-                                    <p:animEffect transition="in" filter="wipe(left)">
-                                      <p:cBhvr>
-                                        <p:cTn id="27" dur="500"/>
-                                        <p:tgtEl>
-                                          <p:spTgt spid="3">
-                                            <p:graphicEl>
-                                              <a:dgm id="{C7C3E6FD-D83F-4BDA-907E-B5EE041DA931}"/>
-                                            </p:graphicEl>
-                                          </p:spTgt>
-                                        </p:tgtEl>
-                                      </p:cBhvr>
-                                    </p:animEffect>
-                                  </p:childTnLst>
-                                </p:cTn>
-                              </p:par>
-                            </p:childTnLst>
-                          </p:cTn>
-                        </p:par>
-                      </p:childTnLst>
-                    </p:cTn>
-                  </p:par>
-                </p:childTnLst>
-              </p:cTn>
-              <p:prevCondLst>
-                <p:cond evt="onPrev" delay="0">
-                  <p:tgtEl>
-                    <p:sldTgt/>
-                  </p:tgtEl>
-                </p:cond>
-              </p:prevCondLst>
-              <p:nextCondLst>
-                <p:cond evt="onNext" delay="0">
-                  <p:tgtEl>
-                    <p:sldTgt/>
-                  </p:tgtEl>
-                </p:cond>
-              </p:nextCondLst>
-            </p:seq>
-          </p:childTnLst>
-        </p:cTn>
-      </p:par>
-    </p:tnLst>
-    <p:bldLst>
-      <p:bldGraphic spid="3" grpId="0" uiExpand="1">
-        <p:bldSub>
-          <a:bldDgm bld="one"/>
-        </p:bldSub>
-      </p:bldGraphic>
-    </p:bldLst>
   </p:timing>
 </p:sld>
 </file>
